--- a/presentation/antlr/antlr.pptx
+++ b/presentation/antlr/antlr.pptx
@@ -5,22 +5,23 @@
     <p:sldMasterId id="2147483672" r:id="rId1"/>
   </p:sldMasterIdLst>
   <p:notesMasterIdLst>
-    <p:notesMasterId r:id="rId12"/>
+    <p:notesMasterId r:id="rId13"/>
   </p:notesMasterIdLst>
   <p:handoutMasterIdLst>
-    <p:handoutMasterId r:id="rId13"/>
+    <p:handoutMasterId r:id="rId14"/>
   </p:handoutMasterIdLst>
   <p:sldIdLst>
     <p:sldId id="256" r:id="rId2"/>
     <p:sldId id="284" r:id="rId3"/>
     <p:sldId id="287" r:id="rId4"/>
-    <p:sldId id="285" r:id="rId5"/>
-    <p:sldId id="289" r:id="rId6"/>
-    <p:sldId id="290" r:id="rId7"/>
-    <p:sldId id="288" r:id="rId8"/>
-    <p:sldId id="286" r:id="rId9"/>
-    <p:sldId id="280" r:id="rId10"/>
-    <p:sldId id="272" r:id="rId11"/>
+    <p:sldId id="291" r:id="rId5"/>
+    <p:sldId id="285" r:id="rId6"/>
+    <p:sldId id="289" r:id="rId7"/>
+    <p:sldId id="290" r:id="rId8"/>
+    <p:sldId id="288" r:id="rId9"/>
+    <p:sldId id="286" r:id="rId10"/>
+    <p:sldId id="280" r:id="rId11"/>
+    <p:sldId id="272" r:id="rId12"/>
   </p:sldIdLst>
   <p:sldSz cx="12192000" cy="6858000"/>
   <p:notesSz cx="6858000" cy="9144000"/>
@@ -355,7 +356,7 @@
           <a:p>
             <a:fld id="{19FDE0E2-FD65-4B84-B71C-750E81D5016C}" type="datetimeFigureOut">
               <a:rPr lang="en-US" smtClean="0"/>
-              <a:t>4/16/2021</a:t>
+              <a:t>5/11/2021</a:t>
             </a:fld>
             <a:endParaRPr lang="en-US"/>
           </a:p>
@@ -536,7 +537,7 @@
           <a:p>
             <a:fld id="{447A07C4-C0A0-4EC8-B21C-4F855B72F09A}" type="datetimeFigureOut">
               <a:rPr lang="en-US" smtClean="0"/>
-              <a:t>4/16/2021</a:t>
+              <a:t>5/11/2021</a:t>
             </a:fld>
             <a:endParaRPr lang="en-US"/>
           </a:p>
@@ -3692,6 +3693,293 @@
         </p:nvSpPr>
         <p:spPr>
           <a:xfrm>
+            <a:off x="609600" y="0"/>
+            <a:ext cx="10972800" cy="1143000"/>
+          </a:xfrm>
+        </p:spPr>
+        <p:txBody>
+          <a:bodyPr anchor="ctr"/>
+          <a:lstStyle/>
+          <a:p>
+            <a:pPr algn="ctr"/>
+            <a:r>
+              <a:rPr lang="en-US" dirty="0">
+                <a:solidFill>
+                  <a:schemeClr val="tx1"/>
+                </a:solidFill>
+                <a:latin typeface="+mj-lt"/>
+              </a:rPr>
+              <a:t>Links</a:t>
+            </a:r>
+          </a:p>
+        </p:txBody>
+      </p:sp>
+      <p:pic>
+        <p:nvPicPr>
+          <p:cNvPr id="4" name="Picture 3">
+            <a:extLst>
+              <a:ext uri="{FF2B5EF4-FFF2-40B4-BE49-F238E27FC236}">
+                <a16:creationId xmlns:a16="http://schemas.microsoft.com/office/drawing/2014/main" id="{EAD9C481-E811-41AA-A936-6EECA420880B}"/>
+              </a:ext>
+            </a:extLst>
+          </p:cNvPr>
+          <p:cNvPicPr>
+            <a:picLocks noChangeAspect="1"/>
+          </p:cNvPicPr>
+          <p:nvPr/>
+        </p:nvPicPr>
+        <p:blipFill>
+          <a:blip r:embed="rId2"/>
+          <a:stretch>
+            <a:fillRect/>
+          </a:stretch>
+        </p:blipFill>
+        <p:spPr>
+          <a:xfrm>
+            <a:off x="0" y="6270273"/>
+            <a:ext cx="1129537" cy="587727"/>
+          </a:xfrm>
+          <a:prstGeom prst="rect">
+            <a:avLst/>
+          </a:prstGeom>
+        </p:spPr>
+      </p:pic>
+      <p:sp>
+        <p:nvSpPr>
+          <p:cNvPr id="3" name="TextBox 2">
+            <a:extLst>
+              <a:ext uri="{FF2B5EF4-FFF2-40B4-BE49-F238E27FC236}">
+                <a16:creationId xmlns:a16="http://schemas.microsoft.com/office/drawing/2014/main" id="{152EED49-F37E-453A-9CB2-5DB8C63E8280}"/>
+              </a:ext>
+            </a:extLst>
+          </p:cNvPr>
+          <p:cNvSpPr txBox="1"/>
+          <p:nvPr/>
+        </p:nvSpPr>
+        <p:spPr>
+          <a:xfrm>
+            <a:off x="702260" y="1143000"/>
+            <a:ext cx="10787480" cy="3170099"/>
+          </a:xfrm>
+          <a:prstGeom prst="rect">
+            <a:avLst/>
+          </a:prstGeom>
+          <a:noFill/>
+        </p:spPr>
+        <p:txBody>
+          <a:bodyPr wrap="square" rtlCol="0">
+            <a:spAutoFit/>
+          </a:bodyPr>
+          <a:lstStyle/>
+          <a:p>
+            <a:pPr marL="342900" indent="-342900">
+              <a:buFont typeface="Arial" panose="020B0604020202020204" pitchFamily="34" charset="0"/>
+              <a:buChar char="•"/>
+            </a:pPr>
+            <a:r>
+              <a:rPr lang="pt-BR" sz="2000" dirty="0">
+                <a:latin typeface="+mn-lt"/>
+              </a:rPr>
+              <a:t>ANTRL reference</a:t>
+            </a:r>
+            <a:r>
+              <a:rPr lang="en-US" sz="2000" dirty="0">
+                <a:latin typeface="+mn-lt"/>
+              </a:rPr>
+              <a:t> </a:t>
+            </a:r>
+            <a:r>
+              <a:rPr lang="en-US" sz="2000" dirty="0">
+                <a:latin typeface="+mn-lt"/>
+                <a:hlinkClick r:id="rId3"/>
+              </a:rPr>
+              <a:t>https://evbyminsdbookz.minsk.epam.com/?c=&amp;q=ANTLR</a:t>
+            </a:r>
+            <a:endParaRPr lang="en-US" sz="2000" dirty="0">
+              <a:latin typeface="+mn-lt"/>
+            </a:endParaRPr>
+          </a:p>
+          <a:p>
+            <a:pPr marL="342900" indent="-342900">
+              <a:buFont typeface="Arial" panose="020B0604020202020204" pitchFamily="34" charset="0"/>
+              <a:buChar char="•"/>
+            </a:pPr>
+            <a:r>
+              <a:rPr lang="en-US" sz="2000" dirty="0">
+                <a:latin typeface="+mn-lt"/>
+                <a:hlinkClick r:id="rId4"/>
+              </a:rPr>
+              <a:t>difference-between-parse-tree-and-</a:t>
+            </a:r>
+            <a:r>
+              <a:rPr lang="en-US" sz="2000" dirty="0" err="1">
+                <a:latin typeface="+mn-lt"/>
+                <a:hlinkClick r:id="rId4"/>
+              </a:rPr>
+              <a:t>ast</a:t>
+            </a:r>
+            <a:endParaRPr lang="en-US" sz="2000" dirty="0">
+              <a:latin typeface="+mn-lt"/>
+            </a:endParaRPr>
+          </a:p>
+          <a:p>
+            <a:pPr marL="342900" indent="-342900">
+              <a:buFont typeface="Arial" panose="020B0604020202020204" pitchFamily="34" charset="0"/>
+              <a:buChar char="•"/>
+            </a:pPr>
+            <a:r>
+              <a:rPr lang="en-US" sz="2000" dirty="0">
+                <a:latin typeface="+mn-lt"/>
+                <a:hlinkClick r:id="rId5"/>
+              </a:rPr>
+              <a:t>Terence Parr - ANTLR4</a:t>
+            </a:r>
+            <a:endParaRPr lang="en-US" sz="2000" dirty="0">
+              <a:latin typeface="+mn-lt"/>
+            </a:endParaRPr>
+          </a:p>
+          <a:p>
+            <a:pPr marL="342900" indent="-342900">
+              <a:buFont typeface="Arial" panose="020B0604020202020204" pitchFamily="34" charset="0"/>
+              <a:buChar char="•"/>
+            </a:pPr>
+            <a:r>
+              <a:rPr lang="en-US" sz="2000" dirty="0" err="1">
+                <a:latin typeface="+mn-lt"/>
+                <a:hlinkClick r:id="rId6"/>
+              </a:rPr>
+              <a:t>Github</a:t>
+            </a:r>
+            <a:r>
+              <a:rPr lang="en-US" sz="2000" dirty="0">
+                <a:latin typeface="+mn-lt"/>
+                <a:hlinkClick r:id="rId6"/>
+              </a:rPr>
+              <a:t> documentation</a:t>
+            </a:r>
+            <a:endParaRPr lang="en-US" sz="2000" dirty="0">
+              <a:latin typeface="+mn-lt"/>
+            </a:endParaRPr>
+          </a:p>
+          <a:p>
+            <a:pPr marL="342900" indent="-342900">
+              <a:buFont typeface="Arial" panose="020B0604020202020204" pitchFamily="34" charset="0"/>
+              <a:buChar char="•"/>
+            </a:pPr>
+            <a:r>
+              <a:rPr lang="en-US" sz="2000" dirty="0">
+                <a:latin typeface="+mn-lt"/>
+                <a:hlinkClick r:id="rId7"/>
+              </a:rPr>
+              <a:t>https://github.com/ncalc/ncalc/blob/master/Grammar/NCalc.g</a:t>
+            </a:r>
+            <a:endParaRPr lang="en-US" sz="2000" dirty="0">
+              <a:latin typeface="+mn-lt"/>
+            </a:endParaRPr>
+          </a:p>
+          <a:p>
+            <a:pPr marL="342900" indent="-342900">
+              <a:buFont typeface="Arial" panose="020B0604020202020204" pitchFamily="34" charset="0"/>
+              <a:buChar char="•"/>
+            </a:pPr>
+            <a:r>
+              <a:rPr lang="en-US" sz="2000" dirty="0">
+                <a:latin typeface="+mn-lt"/>
+                <a:hlinkClick r:id="rId8"/>
+              </a:rPr>
+              <a:t>https://github.com/mar9000/antmark/tree/master/src/org/mar9000/antmark/grammar</a:t>
+            </a:r>
+            <a:endParaRPr lang="en-US" sz="2000" dirty="0">
+              <a:latin typeface="+mn-lt"/>
+            </a:endParaRPr>
+          </a:p>
+          <a:p>
+            <a:pPr marL="342900" indent="-342900">
+              <a:buFont typeface="Arial" panose="020B0604020202020204" pitchFamily="34" charset="0"/>
+              <a:buChar char="•"/>
+            </a:pPr>
+            <a:r>
+              <a:rPr lang="en-US" sz="2000" dirty="0">
+                <a:latin typeface="+mn-lt"/>
+                <a:hlinkClick r:id="rId9"/>
+              </a:rPr>
+              <a:t>https://github.com/antlr/antlr4/tree/master/runtime/CSharp/src</a:t>
+            </a:r>
+            <a:endParaRPr lang="en-US" sz="2000" dirty="0">
+              <a:latin typeface="+mn-lt"/>
+            </a:endParaRPr>
+          </a:p>
+          <a:p>
+            <a:pPr marL="342900" indent="-342900">
+              <a:buFont typeface="Arial" panose="020B0604020202020204" pitchFamily="34" charset="0"/>
+              <a:buChar char="•"/>
+            </a:pPr>
+            <a:r>
+              <a:rPr lang="en-US" sz="2000" dirty="0">
+                <a:latin typeface="+mn-lt"/>
+                <a:hlinkClick r:id="rId10"/>
+              </a:rPr>
+              <a:t>https://www.antlr.org/tools.html</a:t>
+            </a:r>
+            <a:endParaRPr lang="en-US" sz="2000" dirty="0">
+              <a:latin typeface="+mn-lt"/>
+            </a:endParaRPr>
+          </a:p>
+          <a:p>
+            <a:endParaRPr lang="en-US" sz="2000" dirty="0">
+              <a:latin typeface="+mn-lt"/>
+            </a:endParaRPr>
+          </a:p>
+        </p:txBody>
+      </p:sp>
+    </p:spTree>
+    <p:extLst>
+      <p:ext uri="{BB962C8B-B14F-4D97-AF65-F5344CB8AC3E}">
+        <p14:creationId xmlns:p14="http://schemas.microsoft.com/office/powerpoint/2010/main" val="4169196528"/>
+      </p:ext>
+    </p:extLst>
+  </p:cSld>
+  <p:clrMapOvr>
+    <a:masterClrMapping/>
+  </p:clrMapOvr>
+</p:sld>
+</file>
+
+<file path=ppt/slides/slide11.xml><?xml version="1.0" encoding="utf-8"?>
+<p:sld xmlns:a="http://schemas.openxmlformats.org/drawingml/2006/main" xmlns:r="http://schemas.openxmlformats.org/officeDocument/2006/relationships" xmlns:p="http://schemas.openxmlformats.org/presentationml/2006/main">
+  <p:cSld>
+    <p:spTree>
+      <p:nvGrpSpPr>
+        <p:cNvPr id="1" name=""/>
+        <p:cNvGrpSpPr/>
+        <p:nvPr/>
+      </p:nvGrpSpPr>
+      <p:grpSpPr>
+        <a:xfrm>
+          <a:off x="0" y="0"/>
+          <a:ext cx="0" cy="0"/>
+          <a:chOff x="0" y="0"/>
+          <a:chExt cx="0" cy="0"/>
+        </a:xfrm>
+      </p:grpSpPr>
+      <p:sp>
+        <p:nvSpPr>
+          <p:cNvPr id="2" name="Title 1">
+            <a:extLst>
+              <a:ext uri="{FF2B5EF4-FFF2-40B4-BE49-F238E27FC236}">
+                <a16:creationId xmlns:a16="http://schemas.microsoft.com/office/drawing/2014/main" id="{D398BFED-2F7F-49BD-B480-56FC297B15A8}"/>
+              </a:ext>
+            </a:extLst>
+          </p:cNvPr>
+          <p:cNvSpPr>
+            <a:spLocks noGrp="1"/>
+          </p:cNvSpPr>
+          <p:nvPr>
+            <p:ph type="title"/>
+          </p:nvPr>
+        </p:nvSpPr>
+        <p:spPr>
+          <a:xfrm>
             <a:off x="609600" y="2857500"/>
             <a:ext cx="10972800" cy="1143000"/>
           </a:xfrm>
@@ -3856,8 +4144,8 @@
         </p:nvSpPr>
         <p:spPr>
           <a:xfrm>
-            <a:off x="1025026" y="3041468"/>
-            <a:ext cx="10557374" cy="1323439"/>
+            <a:off x="1025026" y="1947953"/>
+            <a:ext cx="10557374" cy="2962093"/>
           </a:xfrm>
           <a:prstGeom prst="rect">
             <a:avLst/>
@@ -3870,63 +4158,63 @@
           </a:bodyPr>
           <a:lstStyle/>
           <a:p>
-            <a:pPr marL="342900" indent="-342900">
+            <a:pPr marL="514350" indent="-514350">
+              <a:lnSpc>
+                <a:spcPct val="150000"/>
+              </a:lnSpc>
               <a:buFont typeface="Arial" panose="020B0604020202020204" pitchFamily="34" charset="0"/>
               <a:buChar char="•"/>
             </a:pPr>
             <a:r>
-              <a:rPr lang="en-US" sz="2000" dirty="0">
+              <a:rPr lang="en-US" sz="3200" dirty="0">
                 <a:latin typeface="+mn-lt"/>
               </a:rPr>
-              <a:t>2018 - Azure Service Fabric workshop participant</a:t>
-            </a:r>
-          </a:p>
-          <a:p>
-            <a:pPr marL="342900" indent="-342900">
+              <a:t>Glossary</a:t>
+            </a:r>
+          </a:p>
+          <a:p>
+            <a:pPr marL="514350" indent="-514350">
+              <a:lnSpc>
+                <a:spcPct val="150000"/>
+              </a:lnSpc>
               <a:buFont typeface="Arial" panose="020B0604020202020204" pitchFamily="34" charset="0"/>
               <a:buChar char="•"/>
             </a:pPr>
             <a:r>
-              <a:rPr lang="en-US" sz="2000" dirty="0">
+              <a:rPr lang="en-US" sz="3200" dirty="0">
                 <a:latin typeface="+mn-lt"/>
               </a:rPr>
-              <a:t>2018 – 70-461 exam (SQL Server)</a:t>
-            </a:r>
-          </a:p>
-          <a:p>
-            <a:pPr marL="342900" indent="-342900">
+              <a:t>ANTLR</a:t>
+            </a:r>
+          </a:p>
+          <a:p>
+            <a:pPr marL="514350" indent="-514350">
+              <a:lnSpc>
+                <a:spcPct val="150000"/>
+              </a:lnSpc>
               <a:buFont typeface="Arial" panose="020B0604020202020204" pitchFamily="34" charset="0"/>
               <a:buChar char="•"/>
             </a:pPr>
             <a:r>
-              <a:rPr lang="en-US" sz="2000" dirty="0">
+              <a:rPr lang="en-US" sz="3200" dirty="0">
                 <a:latin typeface="+mn-lt"/>
               </a:rPr>
-              <a:t>2019 - Azure for </a:t>
-            </a:r>
-            <a:r>
-              <a:rPr lang="en-US" sz="2000" dirty="0" err="1">
-                <a:latin typeface="+mn-lt"/>
-              </a:rPr>
-              <a:t>.net</a:t>
-            </a:r>
-            <a:r>
-              <a:rPr lang="en-US" sz="2000" dirty="0">
-                <a:latin typeface="+mn-lt"/>
-              </a:rPr>
-              <a:t> developer mentoring</a:t>
-            </a:r>
-          </a:p>
-          <a:p>
-            <a:pPr marL="342900" indent="-342900">
+              <a:t>Application</a:t>
+            </a:r>
+          </a:p>
+          <a:p>
+            <a:pPr marL="514350" indent="-514350">
+              <a:lnSpc>
+                <a:spcPct val="150000"/>
+              </a:lnSpc>
               <a:buFont typeface="Arial" panose="020B0604020202020204" pitchFamily="34" charset="0"/>
               <a:buChar char="•"/>
             </a:pPr>
             <a:r>
-              <a:rPr lang="en-US" sz="2000" dirty="0">
+              <a:rPr lang="en-US" sz="3200" dirty="0">
                 <a:latin typeface="+mn-lt"/>
               </a:rPr>
-              <a:t>2019 – 70-761 exam (SQL Server)</a:t>
+              <a:t>Q&amp;A</a:t>
             </a:r>
           </a:p>
         </p:txBody>
@@ -3995,7 +4283,7 @@
                 </a:solidFill>
                 <a:latin typeface="+mj-lt"/>
               </a:rPr>
-              <a:t>Basics</a:t>
+              <a:t>Dragon book</a:t>
             </a:r>
           </a:p>
         </p:txBody>
@@ -4059,7 +4347,7 @@
         </p:blipFill>
         <p:spPr bwMode="auto">
           <a:xfrm>
-            <a:off x="1129537" y="1052513"/>
+            <a:off x="1129537" y="1330149"/>
             <a:ext cx="3676650" cy="4752975"/>
           </a:xfrm>
           <a:prstGeom prst="rect">
@@ -4077,6 +4365,84 @@
           </a:extLst>
         </p:spPr>
       </p:pic>
+      <p:sp>
+        <p:nvSpPr>
+          <p:cNvPr id="3" name="TextBox 2">
+            <a:extLst>
+              <a:ext uri="{FF2B5EF4-FFF2-40B4-BE49-F238E27FC236}">
+                <a16:creationId xmlns:a16="http://schemas.microsoft.com/office/drawing/2014/main" id="{E9A132D2-5932-42C7-B7E9-20B3B05C3FB7}"/>
+              </a:ext>
+            </a:extLst>
+          </p:cNvPr>
+          <p:cNvSpPr txBox="1"/>
+          <p:nvPr/>
+        </p:nvSpPr>
+        <p:spPr>
+          <a:xfrm>
+            <a:off x="5495109" y="2459504"/>
+            <a:ext cx="4467497" cy="1938992"/>
+          </a:xfrm>
+          <a:prstGeom prst="rect">
+            <a:avLst/>
+          </a:prstGeom>
+          <a:noFill/>
+        </p:spPr>
+        <p:txBody>
+          <a:bodyPr wrap="square" rtlCol="0">
+            <a:spAutoFit/>
+          </a:bodyPr>
+          <a:lstStyle/>
+          <a:p>
+            <a:r>
+              <a:rPr lang="en-US" sz="2400" dirty="0">
+                <a:latin typeface="+mn-lt"/>
+              </a:rPr>
+              <a:t>Chapters 1, 2, 3, 4</a:t>
+            </a:r>
+          </a:p>
+          <a:p>
+            <a:endParaRPr lang="en-US" sz="2400" dirty="0">
+              <a:latin typeface="+mn-lt"/>
+            </a:endParaRPr>
+          </a:p>
+          <a:p>
+            <a:pPr marL="285750" indent="-285750">
+              <a:buFont typeface="Arial" panose="020B0604020202020204" pitchFamily="34" charset="0"/>
+              <a:buChar char="•"/>
+            </a:pPr>
+            <a:r>
+              <a:rPr lang="en-US" sz="2400" dirty="0">
+                <a:latin typeface="+mn-lt"/>
+              </a:rPr>
+              <a:t>Parsing</a:t>
+            </a:r>
+          </a:p>
+          <a:p>
+            <a:pPr marL="285750" indent="-285750">
+              <a:buFont typeface="Arial" panose="020B0604020202020204" pitchFamily="34" charset="0"/>
+              <a:buChar char="•"/>
+            </a:pPr>
+            <a:r>
+              <a:rPr lang="en-US" sz="2400" dirty="0">
+                <a:latin typeface="+mn-lt"/>
+              </a:rPr>
+              <a:t>Lexical analysis</a:t>
+            </a:r>
+          </a:p>
+          <a:p>
+            <a:pPr marL="285750" indent="-285750">
+              <a:buFont typeface="Arial" panose="020B0604020202020204" pitchFamily="34" charset="0"/>
+              <a:buChar char="•"/>
+            </a:pPr>
+            <a:r>
+              <a:rPr lang="en-US" sz="2400" dirty="0">
+                <a:latin typeface="+mn-lt"/>
+              </a:rPr>
+              <a:t>Syntax analysis</a:t>
+            </a:r>
+          </a:p>
+        </p:txBody>
+      </p:sp>
     </p:spTree>
     <p:extLst>
       <p:ext uri="{BB962C8B-B14F-4D97-AF65-F5344CB8AC3E}">
@@ -4125,6 +4491,260 @@
         </p:nvSpPr>
         <p:spPr>
           <a:xfrm>
+            <a:off x="609600" y="0"/>
+            <a:ext cx="10972800" cy="1143000"/>
+          </a:xfrm>
+        </p:spPr>
+        <p:txBody>
+          <a:bodyPr anchor="ctr"/>
+          <a:lstStyle/>
+          <a:p>
+            <a:pPr algn="ctr"/>
+            <a:r>
+              <a:rPr lang="en-US" dirty="0">
+                <a:solidFill>
+                  <a:schemeClr val="tx1"/>
+                </a:solidFill>
+                <a:latin typeface="+mj-lt"/>
+              </a:rPr>
+              <a:t>Parsing</a:t>
+            </a:r>
+          </a:p>
+        </p:txBody>
+      </p:sp>
+      <p:pic>
+        <p:nvPicPr>
+          <p:cNvPr id="4" name="Picture 3">
+            <a:extLst>
+              <a:ext uri="{FF2B5EF4-FFF2-40B4-BE49-F238E27FC236}">
+                <a16:creationId xmlns:a16="http://schemas.microsoft.com/office/drawing/2014/main" id="{EAD9C481-E811-41AA-A936-6EECA420880B}"/>
+              </a:ext>
+            </a:extLst>
+          </p:cNvPr>
+          <p:cNvPicPr>
+            <a:picLocks noChangeAspect="1"/>
+          </p:cNvPicPr>
+          <p:nvPr/>
+        </p:nvPicPr>
+        <p:blipFill>
+          <a:blip r:embed="rId2"/>
+          <a:stretch>
+            <a:fillRect/>
+          </a:stretch>
+        </p:blipFill>
+        <p:spPr>
+          <a:xfrm>
+            <a:off x="0" y="6270273"/>
+            <a:ext cx="1129537" cy="587727"/>
+          </a:xfrm>
+          <a:prstGeom prst="rect">
+            <a:avLst/>
+          </a:prstGeom>
+        </p:spPr>
+      </p:pic>
+      <p:pic>
+        <p:nvPicPr>
+          <p:cNvPr id="1026" name="Picture 2">
+            <a:extLst>
+              <a:ext uri="{FF2B5EF4-FFF2-40B4-BE49-F238E27FC236}">
+                <a16:creationId xmlns:a16="http://schemas.microsoft.com/office/drawing/2014/main" id="{556917FF-A278-437F-871A-18F6FEE9C594}"/>
+              </a:ext>
+            </a:extLst>
+          </p:cNvPr>
+          <p:cNvPicPr>
+            <a:picLocks noChangeAspect="1" noChangeArrowheads="1"/>
+          </p:cNvPicPr>
+          <p:nvPr/>
+        </p:nvPicPr>
+        <p:blipFill>
+          <a:blip r:embed="rId3">
+            <a:extLst>
+              <a:ext uri="{28A0092B-C50C-407E-A947-70E740481C1C}">
+                <a14:useLocalDpi xmlns:a14="http://schemas.microsoft.com/office/drawing/2010/main" val="0"/>
+              </a:ext>
+            </a:extLst>
+          </a:blip>
+          <a:srcRect/>
+          <a:stretch>
+            <a:fillRect/>
+          </a:stretch>
+        </p:blipFill>
+        <p:spPr bwMode="auto">
+          <a:xfrm>
+            <a:off x="1129537" y="1330149"/>
+            <a:ext cx="3676650" cy="4752975"/>
+          </a:xfrm>
+          <a:prstGeom prst="rect">
+            <a:avLst/>
+          </a:prstGeom>
+          <a:noFill/>
+          <a:extLst>
+            <a:ext uri="{909E8E84-426E-40DD-AFC4-6F175D3DCCD1}">
+              <a14:hiddenFill xmlns:a14="http://schemas.microsoft.com/office/drawing/2010/main">
+                <a:solidFill>
+                  <a:srgbClr val="FFFFFF"/>
+                </a:solidFill>
+              </a14:hiddenFill>
+            </a:ext>
+          </a:extLst>
+        </p:spPr>
+      </p:pic>
+      <p:sp>
+        <p:nvSpPr>
+          <p:cNvPr id="3" name="TextBox 2">
+            <a:extLst>
+              <a:ext uri="{FF2B5EF4-FFF2-40B4-BE49-F238E27FC236}">
+                <a16:creationId xmlns:a16="http://schemas.microsoft.com/office/drawing/2014/main" id="{E9A132D2-5932-42C7-B7E9-20B3B05C3FB7}"/>
+              </a:ext>
+            </a:extLst>
+          </p:cNvPr>
+          <p:cNvSpPr txBox="1"/>
+          <p:nvPr/>
+        </p:nvSpPr>
+        <p:spPr>
+          <a:xfrm>
+            <a:off x="5495109" y="2459504"/>
+            <a:ext cx="4467497" cy="1938992"/>
+          </a:xfrm>
+          <a:prstGeom prst="rect">
+            <a:avLst/>
+          </a:prstGeom>
+          <a:noFill/>
+        </p:spPr>
+        <p:txBody>
+          <a:bodyPr wrap="square" rtlCol="0">
+            <a:spAutoFit/>
+          </a:bodyPr>
+          <a:lstStyle/>
+          <a:p>
+            <a:r>
+              <a:rPr lang="en-US" sz="2400" dirty="0">
+                <a:latin typeface="+mn-lt"/>
+              </a:rPr>
+              <a:t>Chapters 1, 2, 3, 4</a:t>
+            </a:r>
+          </a:p>
+          <a:p>
+            <a:endParaRPr lang="en-US" sz="2400" dirty="0">
+              <a:latin typeface="+mn-lt"/>
+            </a:endParaRPr>
+          </a:p>
+          <a:p>
+            <a:pPr marL="285750" indent="-285750">
+              <a:buFont typeface="Arial" panose="020B0604020202020204" pitchFamily="34" charset="0"/>
+              <a:buChar char="•"/>
+            </a:pPr>
+            <a:r>
+              <a:rPr lang="en-US" sz="2400" dirty="0">
+                <a:latin typeface="+mn-lt"/>
+              </a:rPr>
+              <a:t>Parsing</a:t>
+            </a:r>
+          </a:p>
+          <a:p>
+            <a:pPr marL="285750" indent="-285750">
+              <a:buFont typeface="Arial" panose="020B0604020202020204" pitchFamily="34" charset="0"/>
+              <a:buChar char="•"/>
+            </a:pPr>
+            <a:r>
+              <a:rPr lang="en-US" sz="2400" dirty="0">
+                <a:latin typeface="+mn-lt"/>
+              </a:rPr>
+              <a:t>Lexical analysis</a:t>
+            </a:r>
+          </a:p>
+          <a:p>
+            <a:pPr marL="285750" indent="-285750">
+              <a:buFont typeface="Arial" panose="020B0604020202020204" pitchFamily="34" charset="0"/>
+              <a:buChar char="•"/>
+            </a:pPr>
+            <a:r>
+              <a:rPr lang="en-US" sz="2400" dirty="0">
+                <a:latin typeface="+mn-lt"/>
+              </a:rPr>
+              <a:t>Syntax analysis</a:t>
+            </a:r>
+          </a:p>
+        </p:txBody>
+      </p:sp>
+      <p:pic>
+        <p:nvPicPr>
+          <p:cNvPr id="6" name="Picture 5">
+            <a:extLst>
+              <a:ext uri="{FF2B5EF4-FFF2-40B4-BE49-F238E27FC236}">
+                <a16:creationId xmlns:a16="http://schemas.microsoft.com/office/drawing/2014/main" id="{0B9A2083-4363-43EF-A313-676A9A6A6CFB}"/>
+              </a:ext>
+            </a:extLst>
+          </p:cNvPr>
+          <p:cNvPicPr>
+            <a:picLocks noChangeAspect="1"/>
+          </p:cNvPicPr>
+          <p:nvPr/>
+        </p:nvPicPr>
+        <p:blipFill>
+          <a:blip r:embed="rId4"/>
+          <a:stretch>
+            <a:fillRect/>
+          </a:stretch>
+        </p:blipFill>
+        <p:spPr>
+          <a:xfrm>
+            <a:off x="4933788" y="2328709"/>
+            <a:ext cx="2324424" cy="2200582"/>
+          </a:xfrm>
+          <a:prstGeom prst="rect">
+            <a:avLst/>
+          </a:prstGeom>
+        </p:spPr>
+      </p:pic>
+    </p:spTree>
+    <p:extLst>
+      <p:ext uri="{BB962C8B-B14F-4D97-AF65-F5344CB8AC3E}">
+        <p14:creationId xmlns:p14="http://schemas.microsoft.com/office/powerpoint/2010/main" val="2097153237"/>
+      </p:ext>
+    </p:extLst>
+  </p:cSld>
+  <p:clrMapOvr>
+    <a:masterClrMapping/>
+  </p:clrMapOvr>
+</p:sld>
+</file>
+
+<file path=ppt/slides/slide5.xml><?xml version="1.0" encoding="utf-8"?>
+<p:sld xmlns:a="http://schemas.openxmlformats.org/drawingml/2006/main" xmlns:r="http://schemas.openxmlformats.org/officeDocument/2006/relationships" xmlns:p="http://schemas.openxmlformats.org/presentationml/2006/main">
+  <p:cSld>
+    <p:spTree>
+      <p:nvGrpSpPr>
+        <p:cNvPr id="1" name=""/>
+        <p:cNvGrpSpPr/>
+        <p:nvPr/>
+      </p:nvGrpSpPr>
+      <p:grpSpPr>
+        <a:xfrm>
+          <a:off x="0" y="0"/>
+          <a:ext cx="0" cy="0"/>
+          <a:chOff x="0" y="0"/>
+          <a:chExt cx="0" cy="0"/>
+        </a:xfrm>
+      </p:grpSpPr>
+      <p:sp>
+        <p:nvSpPr>
+          <p:cNvPr id="2" name="Title 1">
+            <a:extLst>
+              <a:ext uri="{FF2B5EF4-FFF2-40B4-BE49-F238E27FC236}">
+                <a16:creationId xmlns:a16="http://schemas.microsoft.com/office/drawing/2014/main" id="{D398BFED-2F7F-49BD-B480-56FC297B15A8}"/>
+              </a:ext>
+            </a:extLst>
+          </p:cNvPr>
+          <p:cNvSpPr>
+            <a:spLocks noGrp="1"/>
+          </p:cNvSpPr>
+          <p:nvPr>
+            <p:ph type="title"/>
+          </p:nvPr>
+        </p:nvSpPr>
+        <p:spPr>
+          <a:xfrm>
             <a:off x="609600" y="2857500"/>
             <a:ext cx="10972800" cy="1143000"/>
           </a:xfrm>
@@ -4189,7 +4809,7 @@
 </p:sld>
 </file>
 
-<file path=ppt/slides/slide5.xml><?xml version="1.0" encoding="utf-8"?>
+<file path=ppt/slides/slide6.xml><?xml version="1.0" encoding="utf-8"?>
 <p:sld xmlns:a="http://schemas.openxmlformats.org/drawingml/2006/main" xmlns:r="http://schemas.openxmlformats.org/officeDocument/2006/relationships" xmlns:p="http://schemas.openxmlformats.org/presentationml/2006/main">
   <p:cSld>
     <p:spTree>
@@ -4377,7 +4997,7 @@
 </p:sld>
 </file>
 
-<file path=ppt/slides/slide6.xml><?xml version="1.0" encoding="utf-8"?>
+<file path=ppt/slides/slide7.xml><?xml version="1.0" encoding="utf-8"?>
 <p:sld xmlns:a="http://schemas.openxmlformats.org/drawingml/2006/main" xmlns:r="http://schemas.openxmlformats.org/officeDocument/2006/relationships" xmlns:p="http://schemas.openxmlformats.org/presentationml/2006/main">
   <p:cSld>
     <p:spTree>
@@ -4544,7 +5164,7 @@
 </p:sld>
 </file>
 
-<file path=ppt/slides/slide7.xml><?xml version="1.0" encoding="utf-8"?>
+<file path=ppt/slides/slide8.xml><?xml version="1.0" encoding="utf-8"?>
 <p:sld xmlns:a="http://schemas.openxmlformats.org/drawingml/2006/main" xmlns:r="http://schemas.openxmlformats.org/officeDocument/2006/relationships" xmlns:p="http://schemas.openxmlformats.org/presentationml/2006/main">
   <p:cSld>
     <p:spTree>
@@ -4643,7 +5263,7 @@
 </p:sld>
 </file>
 
-<file path=ppt/slides/slide8.xml><?xml version="1.0" encoding="utf-8"?>
+<file path=ppt/slides/slide9.xml><?xml version="1.0" encoding="utf-8"?>
 <p:sld xmlns:a="http://schemas.openxmlformats.org/drawingml/2006/main" xmlns:r="http://schemas.openxmlformats.org/officeDocument/2006/relationships" xmlns:p="http://schemas.openxmlformats.org/presentationml/2006/main">
   <p:cSld>
     <p:spTree>
@@ -4733,293 +5353,6 @@
     <p:extLst>
       <p:ext uri="{BB962C8B-B14F-4D97-AF65-F5344CB8AC3E}">
         <p14:creationId xmlns:p14="http://schemas.microsoft.com/office/powerpoint/2010/main" val="3332914676"/>
-      </p:ext>
-    </p:extLst>
-  </p:cSld>
-  <p:clrMapOvr>
-    <a:masterClrMapping/>
-  </p:clrMapOvr>
-</p:sld>
-</file>
-
-<file path=ppt/slides/slide9.xml><?xml version="1.0" encoding="utf-8"?>
-<p:sld xmlns:a="http://schemas.openxmlformats.org/drawingml/2006/main" xmlns:r="http://schemas.openxmlformats.org/officeDocument/2006/relationships" xmlns:p="http://schemas.openxmlformats.org/presentationml/2006/main">
-  <p:cSld>
-    <p:spTree>
-      <p:nvGrpSpPr>
-        <p:cNvPr id="1" name=""/>
-        <p:cNvGrpSpPr/>
-        <p:nvPr/>
-      </p:nvGrpSpPr>
-      <p:grpSpPr>
-        <a:xfrm>
-          <a:off x="0" y="0"/>
-          <a:ext cx="0" cy="0"/>
-          <a:chOff x="0" y="0"/>
-          <a:chExt cx="0" cy="0"/>
-        </a:xfrm>
-      </p:grpSpPr>
-      <p:sp>
-        <p:nvSpPr>
-          <p:cNvPr id="2" name="Title 1">
-            <a:extLst>
-              <a:ext uri="{FF2B5EF4-FFF2-40B4-BE49-F238E27FC236}">
-                <a16:creationId xmlns:a16="http://schemas.microsoft.com/office/drawing/2014/main" id="{D398BFED-2F7F-49BD-B480-56FC297B15A8}"/>
-              </a:ext>
-            </a:extLst>
-          </p:cNvPr>
-          <p:cNvSpPr>
-            <a:spLocks noGrp="1"/>
-          </p:cNvSpPr>
-          <p:nvPr>
-            <p:ph type="title"/>
-          </p:nvPr>
-        </p:nvSpPr>
-        <p:spPr>
-          <a:xfrm>
-            <a:off x="609600" y="0"/>
-            <a:ext cx="10972800" cy="1143000"/>
-          </a:xfrm>
-        </p:spPr>
-        <p:txBody>
-          <a:bodyPr anchor="ctr"/>
-          <a:lstStyle/>
-          <a:p>
-            <a:pPr algn="ctr"/>
-            <a:r>
-              <a:rPr lang="en-US" dirty="0">
-                <a:solidFill>
-                  <a:schemeClr val="tx1"/>
-                </a:solidFill>
-                <a:latin typeface="+mj-lt"/>
-              </a:rPr>
-              <a:t>Links</a:t>
-            </a:r>
-          </a:p>
-        </p:txBody>
-      </p:sp>
-      <p:pic>
-        <p:nvPicPr>
-          <p:cNvPr id="4" name="Picture 3">
-            <a:extLst>
-              <a:ext uri="{FF2B5EF4-FFF2-40B4-BE49-F238E27FC236}">
-                <a16:creationId xmlns:a16="http://schemas.microsoft.com/office/drawing/2014/main" id="{EAD9C481-E811-41AA-A936-6EECA420880B}"/>
-              </a:ext>
-            </a:extLst>
-          </p:cNvPr>
-          <p:cNvPicPr>
-            <a:picLocks noChangeAspect="1"/>
-          </p:cNvPicPr>
-          <p:nvPr/>
-        </p:nvPicPr>
-        <p:blipFill>
-          <a:blip r:embed="rId2"/>
-          <a:stretch>
-            <a:fillRect/>
-          </a:stretch>
-        </p:blipFill>
-        <p:spPr>
-          <a:xfrm>
-            <a:off x="0" y="6270273"/>
-            <a:ext cx="1129537" cy="587727"/>
-          </a:xfrm>
-          <a:prstGeom prst="rect">
-            <a:avLst/>
-          </a:prstGeom>
-        </p:spPr>
-      </p:pic>
-      <p:sp>
-        <p:nvSpPr>
-          <p:cNvPr id="3" name="TextBox 2">
-            <a:extLst>
-              <a:ext uri="{FF2B5EF4-FFF2-40B4-BE49-F238E27FC236}">
-                <a16:creationId xmlns:a16="http://schemas.microsoft.com/office/drawing/2014/main" id="{152EED49-F37E-453A-9CB2-5DB8C63E8280}"/>
-              </a:ext>
-            </a:extLst>
-          </p:cNvPr>
-          <p:cNvSpPr txBox="1"/>
-          <p:nvPr/>
-        </p:nvSpPr>
-        <p:spPr>
-          <a:xfrm>
-            <a:off x="702260" y="1143000"/>
-            <a:ext cx="10787480" cy="3170099"/>
-          </a:xfrm>
-          <a:prstGeom prst="rect">
-            <a:avLst/>
-          </a:prstGeom>
-          <a:noFill/>
-        </p:spPr>
-        <p:txBody>
-          <a:bodyPr wrap="square" rtlCol="0">
-            <a:spAutoFit/>
-          </a:bodyPr>
-          <a:lstStyle/>
-          <a:p>
-            <a:pPr marL="342900" indent="-342900">
-              <a:buFont typeface="Arial" panose="020B0604020202020204" pitchFamily="34" charset="0"/>
-              <a:buChar char="•"/>
-            </a:pPr>
-            <a:r>
-              <a:rPr lang="pt-BR" sz="2000" dirty="0">
-                <a:latin typeface="+mn-lt"/>
-              </a:rPr>
-              <a:t>ANTRL reference</a:t>
-            </a:r>
-            <a:r>
-              <a:rPr lang="en-US" sz="2000" dirty="0">
-                <a:latin typeface="+mn-lt"/>
-              </a:rPr>
-              <a:t> </a:t>
-            </a:r>
-            <a:r>
-              <a:rPr lang="en-US" sz="2000" dirty="0">
-                <a:latin typeface="+mn-lt"/>
-                <a:hlinkClick r:id="rId3"/>
-              </a:rPr>
-              <a:t>https://evbyminsdbookz.minsk.epam.com/?c=&amp;q=ANTLR</a:t>
-            </a:r>
-            <a:endParaRPr lang="en-US" sz="2000" dirty="0">
-              <a:latin typeface="+mn-lt"/>
-            </a:endParaRPr>
-          </a:p>
-          <a:p>
-            <a:pPr marL="342900" indent="-342900">
-              <a:buFont typeface="Arial" panose="020B0604020202020204" pitchFamily="34" charset="0"/>
-              <a:buChar char="•"/>
-            </a:pPr>
-            <a:r>
-              <a:rPr lang="en-US" sz="2000" dirty="0">
-                <a:latin typeface="+mn-lt"/>
-                <a:hlinkClick r:id="rId4"/>
-              </a:rPr>
-              <a:t>difference-between-parse-tree-and-</a:t>
-            </a:r>
-            <a:r>
-              <a:rPr lang="en-US" sz="2000" dirty="0" err="1">
-                <a:latin typeface="+mn-lt"/>
-                <a:hlinkClick r:id="rId4"/>
-              </a:rPr>
-              <a:t>ast</a:t>
-            </a:r>
-            <a:endParaRPr lang="en-US" sz="2000" dirty="0">
-              <a:latin typeface="+mn-lt"/>
-            </a:endParaRPr>
-          </a:p>
-          <a:p>
-            <a:pPr marL="342900" indent="-342900">
-              <a:buFont typeface="Arial" panose="020B0604020202020204" pitchFamily="34" charset="0"/>
-              <a:buChar char="•"/>
-            </a:pPr>
-            <a:r>
-              <a:rPr lang="en-US" sz="2000" dirty="0">
-                <a:latin typeface="+mn-lt"/>
-                <a:hlinkClick r:id="rId5"/>
-              </a:rPr>
-              <a:t>Terence Parr - ANTLR4</a:t>
-            </a:r>
-            <a:endParaRPr lang="en-US" sz="2000" dirty="0">
-              <a:latin typeface="+mn-lt"/>
-            </a:endParaRPr>
-          </a:p>
-          <a:p>
-            <a:pPr marL="342900" indent="-342900">
-              <a:buFont typeface="Arial" panose="020B0604020202020204" pitchFamily="34" charset="0"/>
-              <a:buChar char="•"/>
-            </a:pPr>
-            <a:r>
-              <a:rPr lang="en-US" sz="2000" dirty="0" err="1">
-                <a:latin typeface="+mn-lt"/>
-                <a:hlinkClick r:id="rId6"/>
-              </a:rPr>
-              <a:t>Github</a:t>
-            </a:r>
-            <a:r>
-              <a:rPr lang="en-US" sz="2000" dirty="0">
-                <a:latin typeface="+mn-lt"/>
-                <a:hlinkClick r:id="rId6"/>
-              </a:rPr>
-              <a:t> documentation</a:t>
-            </a:r>
-            <a:endParaRPr lang="en-US" sz="2000" dirty="0">
-              <a:latin typeface="+mn-lt"/>
-            </a:endParaRPr>
-          </a:p>
-          <a:p>
-            <a:pPr marL="342900" indent="-342900">
-              <a:buFont typeface="Arial" panose="020B0604020202020204" pitchFamily="34" charset="0"/>
-              <a:buChar char="•"/>
-            </a:pPr>
-            <a:r>
-              <a:rPr lang="en-US" sz="2000" dirty="0">
-                <a:latin typeface="+mn-lt"/>
-                <a:hlinkClick r:id="rId7"/>
-              </a:rPr>
-              <a:t>https://github.com/ncalc/ncalc/blob/master/Grammar/NCalc.g</a:t>
-            </a:r>
-            <a:endParaRPr lang="en-US" sz="2000" dirty="0">
-              <a:latin typeface="+mn-lt"/>
-            </a:endParaRPr>
-          </a:p>
-          <a:p>
-            <a:pPr marL="342900" indent="-342900">
-              <a:buFont typeface="Arial" panose="020B0604020202020204" pitchFamily="34" charset="0"/>
-              <a:buChar char="•"/>
-            </a:pPr>
-            <a:r>
-              <a:rPr lang="en-US" sz="2000" dirty="0">
-                <a:latin typeface="+mn-lt"/>
-                <a:hlinkClick r:id="rId8"/>
-              </a:rPr>
-              <a:t>https://github.com/mar9000/antmark/tree/master/src/org/mar9000/antmark/grammar</a:t>
-            </a:r>
-            <a:endParaRPr lang="en-US" sz="2000" dirty="0">
-              <a:latin typeface="+mn-lt"/>
-            </a:endParaRPr>
-          </a:p>
-          <a:p>
-            <a:pPr marL="342900" indent="-342900">
-              <a:buFont typeface="Arial" panose="020B0604020202020204" pitchFamily="34" charset="0"/>
-              <a:buChar char="•"/>
-            </a:pPr>
-            <a:r>
-              <a:rPr lang="en-US" sz="2000" dirty="0">
-                <a:latin typeface="+mn-lt"/>
-                <a:hlinkClick r:id="rId9"/>
-              </a:rPr>
-              <a:t>https://github.com/antlr/antlr4/tree/master/runtime/CSharp/src</a:t>
-            </a:r>
-            <a:endParaRPr lang="en-US" sz="2000" dirty="0">
-              <a:latin typeface="+mn-lt"/>
-            </a:endParaRPr>
-          </a:p>
-          <a:p>
-            <a:pPr marL="342900" indent="-342900">
-              <a:buFont typeface="Arial" panose="020B0604020202020204" pitchFamily="34" charset="0"/>
-              <a:buChar char="•"/>
-            </a:pPr>
-            <a:r>
-              <a:rPr lang="en-US" sz="2000" dirty="0">
-                <a:latin typeface="+mn-lt"/>
-                <a:hlinkClick r:id="rId10"/>
-              </a:rPr>
-              <a:t>https://www.antlr.org/tools.html</a:t>
-            </a:r>
-            <a:endParaRPr lang="en-US" sz="2000" dirty="0">
-              <a:latin typeface="+mn-lt"/>
-            </a:endParaRPr>
-          </a:p>
-          <a:p>
-            <a:endParaRPr lang="en-US" sz="2000" dirty="0">
-              <a:latin typeface="+mn-lt"/>
-            </a:endParaRPr>
-          </a:p>
-        </p:txBody>
-      </p:sp>
-    </p:spTree>
-    <p:extLst>
-      <p:ext uri="{BB962C8B-B14F-4D97-AF65-F5344CB8AC3E}">
-        <p14:creationId xmlns:p14="http://schemas.microsoft.com/office/powerpoint/2010/main" val="4169196528"/>
       </p:ext>
     </p:extLst>
   </p:cSld>

--- a/presentation/antlr/antlr.pptx
+++ b/presentation/antlr/antlr.pptx
@@ -5,23 +5,31 @@
     <p:sldMasterId id="2147483672" r:id="rId1"/>
   </p:sldMasterIdLst>
   <p:notesMasterIdLst>
-    <p:notesMasterId r:id="rId13"/>
+    <p:notesMasterId r:id="rId21"/>
   </p:notesMasterIdLst>
   <p:handoutMasterIdLst>
-    <p:handoutMasterId r:id="rId14"/>
+    <p:handoutMasterId r:id="rId22"/>
   </p:handoutMasterIdLst>
   <p:sldIdLst>
     <p:sldId id="256" r:id="rId2"/>
-    <p:sldId id="284" r:id="rId3"/>
+    <p:sldId id="281" r:id="rId3"/>
     <p:sldId id="287" r:id="rId4"/>
     <p:sldId id="291" r:id="rId5"/>
-    <p:sldId id="285" r:id="rId6"/>
-    <p:sldId id="289" r:id="rId7"/>
-    <p:sldId id="290" r:id="rId8"/>
-    <p:sldId id="288" r:id="rId9"/>
+    <p:sldId id="292" r:id="rId6"/>
+    <p:sldId id="293" r:id="rId7"/>
+    <p:sldId id="294" r:id="rId8"/>
+    <p:sldId id="295" r:id="rId9"/>
     <p:sldId id="286" r:id="rId10"/>
-    <p:sldId id="280" r:id="rId11"/>
-    <p:sldId id="272" r:id="rId12"/>
+    <p:sldId id="297" r:id="rId11"/>
+    <p:sldId id="298" r:id="rId12"/>
+    <p:sldId id="299" r:id="rId13"/>
+    <p:sldId id="300" r:id="rId14"/>
+    <p:sldId id="301" r:id="rId15"/>
+    <p:sldId id="302" r:id="rId16"/>
+    <p:sldId id="303" r:id="rId17"/>
+    <p:sldId id="296" r:id="rId18"/>
+    <p:sldId id="280" r:id="rId19"/>
+    <p:sldId id="272" r:id="rId20"/>
   </p:sldIdLst>
   <p:sldSz cx="12192000" cy="6858000"/>
   <p:notesSz cx="6858000" cy="9144000"/>
@@ -3661,6 +3669,14 @@
 <file path=ppt/slides/slide10.xml><?xml version="1.0" encoding="utf-8"?>
 <p:sld xmlns:a="http://schemas.openxmlformats.org/drawingml/2006/main" xmlns:r="http://schemas.openxmlformats.org/officeDocument/2006/relationships" xmlns:p="http://schemas.openxmlformats.org/presentationml/2006/main">
   <p:cSld>
+    <p:bg>
+      <p:bgPr>
+        <a:solidFill>
+          <a:srgbClr val="C6C8D1"/>
+        </a:solidFill>
+        <a:effectLst/>
+      </p:bgPr>
+    </p:bg>
     <p:spTree>
       <p:nvGrpSpPr>
         <p:cNvPr id="1" name=""/>
@@ -3709,7 +3725,7 @@
                 </a:solidFill>
                 <a:latin typeface="+mj-lt"/>
               </a:rPr>
-              <a:t>Links</a:t>
+              <a:t>Grammar DSL</a:t>
             </a:r>
           </a:p>
         </p:txBody>
@@ -3749,7 +3765,7 @@
           <p:cNvPr id="3" name="TextBox 2">
             <a:extLst>
               <a:ext uri="{FF2B5EF4-FFF2-40B4-BE49-F238E27FC236}">
-                <a16:creationId xmlns:a16="http://schemas.microsoft.com/office/drawing/2014/main" id="{152EED49-F37E-453A-9CB2-5DB8C63E8280}"/>
+                <a16:creationId xmlns:a16="http://schemas.microsoft.com/office/drawing/2014/main" id="{83193C92-255A-40A6-BAE5-B35B31781A59}"/>
               </a:ext>
             </a:extLst>
           </p:cNvPr>
@@ -3758,8 +3774,8 @@
         </p:nvSpPr>
         <p:spPr>
           <a:xfrm>
-            <a:off x="702260" y="1143000"/>
-            <a:ext cx="10787480" cy="3170099"/>
+            <a:off x="546389" y="2228671"/>
+            <a:ext cx="11099222" cy="1754326"/>
           </a:xfrm>
           <a:prstGeom prst="rect">
             <a:avLst/>
@@ -3772,170 +3788,59 @@
           </a:bodyPr>
           <a:lstStyle/>
           <a:p>
-            <a:pPr marL="342900" indent="-342900">
-              <a:buFont typeface="Arial" panose="020B0604020202020204" pitchFamily="34" charset="0"/>
-              <a:buChar char="•"/>
-            </a:pPr>
-            <a:r>
-              <a:rPr lang="pt-BR" sz="2000" dirty="0">
+            <a:pPr algn="l"/>
+            <a:r>
+              <a:rPr lang="en-US" sz="1800" dirty="0">
                 <a:latin typeface="+mn-lt"/>
               </a:rPr>
-              <a:t>ANTRL reference</a:t>
-            </a:r>
-            <a:r>
-              <a:rPr lang="en-US" sz="2000" dirty="0">
-                <a:latin typeface="+mn-lt"/>
-              </a:rPr>
-              <a:t> </a:t>
-            </a:r>
-            <a:r>
-              <a:rPr lang="en-US" sz="2000" dirty="0">
-                <a:latin typeface="+mn-lt"/>
-                <a:hlinkClick r:id="rId3"/>
-              </a:rPr>
-              <a:t>https://evbyminsdbookz.minsk.epam.com/?c=&amp;q=ANTLR</a:t>
-            </a:r>
-            <a:endParaRPr lang="en-US" sz="2000" dirty="0">
+              <a:t>grammar Hello; 		// Define a grammar called Hello</a:t>
+            </a:r>
+          </a:p>
+          <a:p>
+            <a:pPr algn="l"/>
+            <a:endParaRPr lang="en-US" sz="1800" dirty="0">
               <a:latin typeface="+mn-lt"/>
             </a:endParaRPr>
           </a:p>
           <a:p>
-            <a:pPr marL="342900" indent="-342900">
-              <a:buFont typeface="Arial" panose="020B0604020202020204" pitchFamily="34" charset="0"/>
-              <a:buChar char="•"/>
-            </a:pPr>
-            <a:r>
-              <a:rPr lang="en-US" sz="2000" dirty="0">
+            <a:pPr algn="l"/>
+            <a:r>
+              <a:rPr lang="en-US" sz="1800" dirty="0">
                 <a:latin typeface="+mn-lt"/>
-                <a:hlinkClick r:id="rId4"/>
-              </a:rPr>
-              <a:t>difference-between-parse-tree-and-</a:t>
-            </a:r>
-            <a:r>
-              <a:rPr lang="en-US" sz="2000" dirty="0" err="1">
-                <a:latin typeface="+mn-lt"/>
-                <a:hlinkClick r:id="rId4"/>
-              </a:rPr>
-              <a:t>ast</a:t>
-            </a:r>
-            <a:endParaRPr lang="en-US" sz="2000" dirty="0">
+              </a:rPr>
+              <a:t>r : 'hello' ID ; 		// match keyword hello followed by an identifier</a:t>
+            </a:r>
+          </a:p>
+          <a:p>
+            <a:pPr algn="l"/>
+            <a:endParaRPr lang="en-US" sz="1800" dirty="0">
               <a:latin typeface="+mn-lt"/>
             </a:endParaRPr>
           </a:p>
           <a:p>
-            <a:pPr marL="342900" indent="-342900">
-              <a:buFont typeface="Arial" panose="020B0604020202020204" pitchFamily="34" charset="0"/>
-              <a:buChar char="•"/>
-            </a:pPr>
-            <a:r>
-              <a:rPr lang="en-US" sz="2000" dirty="0">
+            <a:pPr algn="l"/>
+            <a:r>
+              <a:rPr lang="en-US" sz="1800" dirty="0">
                 <a:latin typeface="+mn-lt"/>
-                <a:hlinkClick r:id="rId5"/>
-              </a:rPr>
-              <a:t>Terence Parr - ANTLR4</a:t>
-            </a:r>
-            <a:endParaRPr lang="en-US" sz="2000" dirty="0">
-              <a:latin typeface="+mn-lt"/>
-            </a:endParaRPr>
-          </a:p>
-          <a:p>
-            <a:pPr marL="342900" indent="-342900">
-              <a:buFont typeface="Arial" panose="020B0604020202020204" pitchFamily="34" charset="0"/>
-              <a:buChar char="•"/>
-            </a:pPr>
-            <a:r>
-              <a:rPr lang="en-US" sz="2000" dirty="0" err="1">
+              </a:rPr>
+              <a:t>ID : [a-z]+ ; 		// match lower-case identifiers</a:t>
+            </a:r>
+          </a:p>
+          <a:p>
+            <a:pPr algn="l"/>
+            <a:r>
+              <a:rPr lang="en-US" sz="1800" dirty="0">
                 <a:latin typeface="+mn-lt"/>
-                <a:hlinkClick r:id="rId6"/>
-              </a:rPr>
-              <a:t>Github</a:t>
-            </a:r>
-            <a:r>
-              <a:rPr lang="en-US" sz="2000" dirty="0">
-                <a:latin typeface="+mn-lt"/>
-                <a:hlinkClick r:id="rId6"/>
-              </a:rPr>
-              <a:t> documentation</a:t>
-            </a:r>
-            <a:endParaRPr lang="en-US" sz="2000" dirty="0">
-              <a:latin typeface="+mn-lt"/>
-            </a:endParaRPr>
-          </a:p>
-          <a:p>
-            <a:pPr marL="342900" indent="-342900">
-              <a:buFont typeface="Arial" panose="020B0604020202020204" pitchFamily="34" charset="0"/>
-              <a:buChar char="•"/>
-            </a:pPr>
-            <a:r>
-              <a:rPr lang="en-US" sz="2000" dirty="0">
-                <a:latin typeface="+mn-lt"/>
-                <a:hlinkClick r:id="rId7"/>
-              </a:rPr>
-              <a:t>https://github.com/ncalc/ncalc/blob/master/Grammar/NCalc.g</a:t>
-            </a:r>
-            <a:endParaRPr lang="en-US" sz="2000" dirty="0">
-              <a:latin typeface="+mn-lt"/>
-            </a:endParaRPr>
-          </a:p>
-          <a:p>
-            <a:pPr marL="342900" indent="-342900">
-              <a:buFont typeface="Arial" panose="020B0604020202020204" pitchFamily="34" charset="0"/>
-              <a:buChar char="•"/>
-            </a:pPr>
-            <a:r>
-              <a:rPr lang="en-US" sz="2000" dirty="0">
-                <a:latin typeface="+mn-lt"/>
-                <a:hlinkClick r:id="rId8"/>
-              </a:rPr>
-              <a:t>https://github.com/mar9000/antmark/tree/master/src/org/mar9000/antmark/grammar</a:t>
-            </a:r>
-            <a:endParaRPr lang="en-US" sz="2000" dirty="0">
-              <a:latin typeface="+mn-lt"/>
-            </a:endParaRPr>
-          </a:p>
-          <a:p>
-            <a:pPr marL="342900" indent="-342900">
-              <a:buFont typeface="Arial" panose="020B0604020202020204" pitchFamily="34" charset="0"/>
-              <a:buChar char="•"/>
-            </a:pPr>
-            <a:r>
-              <a:rPr lang="en-US" sz="2000" dirty="0">
-                <a:latin typeface="+mn-lt"/>
-                <a:hlinkClick r:id="rId9"/>
-              </a:rPr>
-              <a:t>https://github.com/antlr/antlr4/tree/master/runtime/CSharp/src</a:t>
-            </a:r>
-            <a:endParaRPr lang="en-US" sz="2000" dirty="0">
-              <a:latin typeface="+mn-lt"/>
-            </a:endParaRPr>
-          </a:p>
-          <a:p>
-            <a:pPr marL="342900" indent="-342900">
-              <a:buFont typeface="Arial" panose="020B0604020202020204" pitchFamily="34" charset="0"/>
-              <a:buChar char="•"/>
-            </a:pPr>
-            <a:r>
-              <a:rPr lang="en-US" sz="2000" dirty="0">
-                <a:latin typeface="+mn-lt"/>
-                <a:hlinkClick r:id="rId10"/>
-              </a:rPr>
-              <a:t>https://www.antlr.org/tools.html</a:t>
-            </a:r>
-            <a:endParaRPr lang="en-US" sz="2000" dirty="0">
-              <a:latin typeface="+mn-lt"/>
-            </a:endParaRPr>
-          </a:p>
-          <a:p>
-            <a:endParaRPr lang="en-US" sz="2000" dirty="0">
-              <a:latin typeface="+mn-lt"/>
-            </a:endParaRPr>
+              </a:rPr>
+              <a:t>WS : [ \t\r\n]+ -&gt; skip ; 	// skip spaces, tabs, newlines</a:t>
+            </a:r>
           </a:p>
         </p:txBody>
       </p:sp>
     </p:spTree>
     <p:extLst>
       <p:ext uri="{BB962C8B-B14F-4D97-AF65-F5344CB8AC3E}">
-        <p14:creationId xmlns:p14="http://schemas.microsoft.com/office/powerpoint/2010/main" val="4169196528"/>
+        <p14:creationId xmlns:p14="http://schemas.microsoft.com/office/powerpoint/2010/main" val="180332700"/>
       </p:ext>
     </p:extLst>
   </p:cSld>
@@ -3946,6 +3851,997 @@
 </file>
 
 <file path=ppt/slides/slide11.xml><?xml version="1.0" encoding="utf-8"?>
+<p:sld xmlns:a="http://schemas.openxmlformats.org/drawingml/2006/main" xmlns:r="http://schemas.openxmlformats.org/officeDocument/2006/relationships" xmlns:p="http://schemas.openxmlformats.org/presentationml/2006/main">
+  <p:cSld>
+    <p:bg>
+      <p:bgPr>
+        <a:solidFill>
+          <a:srgbClr val="C6C8D1"/>
+        </a:solidFill>
+        <a:effectLst/>
+      </p:bgPr>
+    </p:bg>
+    <p:spTree>
+      <p:nvGrpSpPr>
+        <p:cNvPr id="1" name=""/>
+        <p:cNvGrpSpPr/>
+        <p:nvPr/>
+      </p:nvGrpSpPr>
+      <p:grpSpPr>
+        <a:xfrm>
+          <a:off x="0" y="0"/>
+          <a:ext cx="0" cy="0"/>
+          <a:chOff x="0" y="0"/>
+          <a:chExt cx="0" cy="0"/>
+        </a:xfrm>
+      </p:grpSpPr>
+      <p:sp>
+        <p:nvSpPr>
+          <p:cNvPr id="2" name="Title 1">
+            <a:extLst>
+              <a:ext uri="{FF2B5EF4-FFF2-40B4-BE49-F238E27FC236}">
+                <a16:creationId xmlns:a16="http://schemas.microsoft.com/office/drawing/2014/main" id="{D398BFED-2F7F-49BD-B480-56FC297B15A8}"/>
+              </a:ext>
+            </a:extLst>
+          </p:cNvPr>
+          <p:cNvSpPr>
+            <a:spLocks noGrp="1"/>
+          </p:cNvSpPr>
+          <p:nvPr>
+            <p:ph type="title"/>
+          </p:nvPr>
+        </p:nvSpPr>
+        <p:spPr>
+          <a:xfrm>
+            <a:off x="609600" y="0"/>
+            <a:ext cx="10972800" cy="1143000"/>
+          </a:xfrm>
+        </p:spPr>
+        <p:txBody>
+          <a:bodyPr anchor="ctr"/>
+          <a:lstStyle/>
+          <a:p>
+            <a:pPr algn="ctr"/>
+            <a:r>
+              <a:rPr lang="en-US" dirty="0">
+                <a:solidFill>
+                  <a:schemeClr val="tx1"/>
+                </a:solidFill>
+                <a:latin typeface="+mj-lt"/>
+              </a:rPr>
+              <a:t>Parse tree print</a:t>
+            </a:r>
+          </a:p>
+        </p:txBody>
+      </p:sp>
+      <p:pic>
+        <p:nvPicPr>
+          <p:cNvPr id="4" name="Picture 3">
+            <a:extLst>
+              <a:ext uri="{FF2B5EF4-FFF2-40B4-BE49-F238E27FC236}">
+                <a16:creationId xmlns:a16="http://schemas.microsoft.com/office/drawing/2014/main" id="{EAD9C481-E811-41AA-A936-6EECA420880B}"/>
+              </a:ext>
+            </a:extLst>
+          </p:cNvPr>
+          <p:cNvPicPr>
+            <a:picLocks noChangeAspect="1"/>
+          </p:cNvPicPr>
+          <p:nvPr/>
+        </p:nvPicPr>
+        <p:blipFill>
+          <a:blip r:embed="rId2"/>
+          <a:stretch>
+            <a:fillRect/>
+          </a:stretch>
+        </p:blipFill>
+        <p:spPr>
+          <a:xfrm>
+            <a:off x="0" y="6270273"/>
+            <a:ext cx="1129537" cy="587727"/>
+          </a:xfrm>
+          <a:prstGeom prst="rect">
+            <a:avLst/>
+          </a:prstGeom>
+        </p:spPr>
+      </p:pic>
+      <p:pic>
+        <p:nvPicPr>
+          <p:cNvPr id="6" name="Picture 5">
+            <a:extLst>
+              <a:ext uri="{FF2B5EF4-FFF2-40B4-BE49-F238E27FC236}">
+                <a16:creationId xmlns:a16="http://schemas.microsoft.com/office/drawing/2014/main" id="{AF8268F0-3063-449A-BE5A-ADB0CF666056}"/>
+              </a:ext>
+            </a:extLst>
+          </p:cNvPr>
+          <p:cNvPicPr>
+            <a:picLocks noChangeAspect="1"/>
+          </p:cNvPicPr>
+          <p:nvPr/>
+        </p:nvPicPr>
+        <p:blipFill>
+          <a:blip r:embed="rId3"/>
+          <a:stretch>
+            <a:fillRect/>
+          </a:stretch>
+        </p:blipFill>
+        <p:spPr>
+          <a:xfrm>
+            <a:off x="4938295" y="1839324"/>
+            <a:ext cx="2315410" cy="3179352"/>
+          </a:xfrm>
+          <a:prstGeom prst="rect">
+            <a:avLst/>
+          </a:prstGeom>
+        </p:spPr>
+      </p:pic>
+      <p:sp>
+        <p:nvSpPr>
+          <p:cNvPr id="12" name="TextBox 11">
+            <a:extLst>
+              <a:ext uri="{FF2B5EF4-FFF2-40B4-BE49-F238E27FC236}">
+                <a16:creationId xmlns:a16="http://schemas.microsoft.com/office/drawing/2014/main" id="{588363F5-25E9-438F-A67D-85987873BD89}"/>
+              </a:ext>
+            </a:extLst>
+          </p:cNvPr>
+          <p:cNvSpPr txBox="1"/>
+          <p:nvPr/>
+        </p:nvSpPr>
+        <p:spPr>
+          <a:xfrm>
+            <a:off x="1129537" y="1839324"/>
+            <a:ext cx="6096000" cy="369332"/>
+          </a:xfrm>
+          <a:prstGeom prst="rect">
+            <a:avLst/>
+          </a:prstGeom>
+          <a:noFill/>
+        </p:spPr>
+        <p:txBody>
+          <a:bodyPr wrap="square">
+            <a:spAutoFit/>
+          </a:bodyPr>
+          <a:lstStyle/>
+          <a:p>
+            <a:r>
+              <a:rPr lang="en-US" sz="1800" dirty="0" err="1">
+                <a:latin typeface="+mn-lt"/>
+              </a:rPr>
+              <a:t>grun</a:t>
+            </a:r>
+            <a:r>
+              <a:rPr lang="en-US" sz="1800" dirty="0">
+                <a:latin typeface="+mn-lt"/>
+              </a:rPr>
+              <a:t> Hello r -tree</a:t>
+            </a:r>
+          </a:p>
+        </p:txBody>
+      </p:sp>
+    </p:spTree>
+    <p:extLst>
+      <p:ext uri="{BB962C8B-B14F-4D97-AF65-F5344CB8AC3E}">
+        <p14:creationId xmlns:p14="http://schemas.microsoft.com/office/powerpoint/2010/main" val="372597610"/>
+      </p:ext>
+    </p:extLst>
+  </p:cSld>
+  <p:clrMapOvr>
+    <a:masterClrMapping/>
+  </p:clrMapOvr>
+</p:sld>
+</file>
+
+<file path=ppt/slides/slide12.xml><?xml version="1.0" encoding="utf-8"?>
+<p:sld xmlns:a="http://schemas.openxmlformats.org/drawingml/2006/main" xmlns:r="http://schemas.openxmlformats.org/officeDocument/2006/relationships" xmlns:p="http://schemas.openxmlformats.org/presentationml/2006/main">
+  <p:cSld>
+    <p:bg>
+      <p:bgPr>
+        <a:solidFill>
+          <a:srgbClr val="C6C8D1"/>
+        </a:solidFill>
+        <a:effectLst/>
+      </p:bgPr>
+    </p:bg>
+    <p:spTree>
+      <p:nvGrpSpPr>
+        <p:cNvPr id="1" name=""/>
+        <p:cNvGrpSpPr/>
+        <p:nvPr/>
+      </p:nvGrpSpPr>
+      <p:grpSpPr>
+        <a:xfrm>
+          <a:off x="0" y="0"/>
+          <a:ext cx="0" cy="0"/>
+          <a:chOff x="0" y="0"/>
+          <a:chExt cx="0" cy="0"/>
+        </a:xfrm>
+      </p:grpSpPr>
+      <p:sp>
+        <p:nvSpPr>
+          <p:cNvPr id="2" name="Title 1">
+            <a:extLst>
+              <a:ext uri="{FF2B5EF4-FFF2-40B4-BE49-F238E27FC236}">
+                <a16:creationId xmlns:a16="http://schemas.microsoft.com/office/drawing/2014/main" id="{D398BFED-2F7F-49BD-B480-56FC297B15A8}"/>
+              </a:ext>
+            </a:extLst>
+          </p:cNvPr>
+          <p:cNvSpPr>
+            <a:spLocks noGrp="1"/>
+          </p:cNvSpPr>
+          <p:nvPr>
+            <p:ph type="title"/>
+          </p:nvPr>
+        </p:nvSpPr>
+        <p:spPr>
+          <a:xfrm>
+            <a:off x="609600" y="0"/>
+            <a:ext cx="10972800" cy="1143000"/>
+          </a:xfrm>
+        </p:spPr>
+        <p:txBody>
+          <a:bodyPr anchor="ctr"/>
+          <a:lstStyle/>
+          <a:p>
+            <a:pPr algn="ctr"/>
+            <a:r>
+              <a:rPr lang="en-US" dirty="0">
+                <a:solidFill>
+                  <a:schemeClr val="tx1"/>
+                </a:solidFill>
+                <a:latin typeface="+mj-lt"/>
+              </a:rPr>
+              <a:t>Language recognizer</a:t>
+            </a:r>
+          </a:p>
+        </p:txBody>
+      </p:sp>
+      <p:pic>
+        <p:nvPicPr>
+          <p:cNvPr id="4" name="Picture 3">
+            <a:extLst>
+              <a:ext uri="{FF2B5EF4-FFF2-40B4-BE49-F238E27FC236}">
+                <a16:creationId xmlns:a16="http://schemas.microsoft.com/office/drawing/2014/main" id="{EAD9C481-E811-41AA-A936-6EECA420880B}"/>
+              </a:ext>
+            </a:extLst>
+          </p:cNvPr>
+          <p:cNvPicPr>
+            <a:picLocks noChangeAspect="1"/>
+          </p:cNvPicPr>
+          <p:nvPr/>
+        </p:nvPicPr>
+        <p:blipFill>
+          <a:blip r:embed="rId2"/>
+          <a:stretch>
+            <a:fillRect/>
+          </a:stretch>
+        </p:blipFill>
+        <p:spPr>
+          <a:xfrm>
+            <a:off x="0" y="6270273"/>
+            <a:ext cx="1129537" cy="587727"/>
+          </a:xfrm>
+          <a:prstGeom prst="rect">
+            <a:avLst/>
+          </a:prstGeom>
+        </p:spPr>
+      </p:pic>
+      <p:pic>
+        <p:nvPicPr>
+          <p:cNvPr id="8" name="Picture 7">
+            <a:extLst>
+              <a:ext uri="{FF2B5EF4-FFF2-40B4-BE49-F238E27FC236}">
+                <a16:creationId xmlns:a16="http://schemas.microsoft.com/office/drawing/2014/main" id="{32A1A0B7-9C95-41E6-AF31-ACF3DA9B73DD}"/>
+              </a:ext>
+            </a:extLst>
+          </p:cNvPr>
+          <p:cNvPicPr>
+            <a:picLocks noChangeAspect="1"/>
+          </p:cNvPicPr>
+          <p:nvPr/>
+        </p:nvPicPr>
+        <p:blipFill>
+          <a:blip r:embed="rId3"/>
+          <a:stretch>
+            <a:fillRect/>
+          </a:stretch>
+        </p:blipFill>
+        <p:spPr>
+          <a:xfrm>
+            <a:off x="1671020" y="2090550"/>
+            <a:ext cx="8849960" cy="2676899"/>
+          </a:xfrm>
+          <a:prstGeom prst="rect">
+            <a:avLst/>
+          </a:prstGeom>
+        </p:spPr>
+      </p:pic>
+    </p:spTree>
+    <p:extLst>
+      <p:ext uri="{BB962C8B-B14F-4D97-AF65-F5344CB8AC3E}">
+        <p14:creationId xmlns:p14="http://schemas.microsoft.com/office/powerpoint/2010/main" val="516265332"/>
+      </p:ext>
+    </p:extLst>
+  </p:cSld>
+  <p:clrMapOvr>
+    <a:masterClrMapping/>
+  </p:clrMapOvr>
+</p:sld>
+</file>
+
+<file path=ppt/slides/slide13.xml><?xml version="1.0" encoding="utf-8"?>
+<p:sld xmlns:a="http://schemas.openxmlformats.org/drawingml/2006/main" xmlns:r="http://schemas.openxmlformats.org/officeDocument/2006/relationships" xmlns:p="http://schemas.openxmlformats.org/presentationml/2006/main">
+  <p:cSld>
+    <p:bg>
+      <p:bgPr>
+        <a:solidFill>
+          <a:srgbClr val="C6C8D1"/>
+        </a:solidFill>
+        <a:effectLst/>
+      </p:bgPr>
+    </p:bg>
+    <p:spTree>
+      <p:nvGrpSpPr>
+        <p:cNvPr id="1" name=""/>
+        <p:cNvGrpSpPr/>
+        <p:nvPr/>
+      </p:nvGrpSpPr>
+      <p:grpSpPr>
+        <a:xfrm>
+          <a:off x="0" y="0"/>
+          <a:ext cx="0" cy="0"/>
+          <a:chOff x="0" y="0"/>
+          <a:chExt cx="0" cy="0"/>
+        </a:xfrm>
+      </p:grpSpPr>
+      <p:sp>
+        <p:nvSpPr>
+          <p:cNvPr id="2" name="Title 1">
+            <a:extLst>
+              <a:ext uri="{FF2B5EF4-FFF2-40B4-BE49-F238E27FC236}">
+                <a16:creationId xmlns:a16="http://schemas.microsoft.com/office/drawing/2014/main" id="{D398BFED-2F7F-49BD-B480-56FC297B15A8}"/>
+              </a:ext>
+            </a:extLst>
+          </p:cNvPr>
+          <p:cNvSpPr>
+            <a:spLocks noGrp="1"/>
+          </p:cNvSpPr>
+          <p:nvPr>
+            <p:ph type="title"/>
+          </p:nvPr>
+        </p:nvSpPr>
+        <p:spPr>
+          <a:xfrm>
+            <a:off x="609600" y="0"/>
+            <a:ext cx="10972800" cy="1143000"/>
+          </a:xfrm>
+        </p:spPr>
+        <p:txBody>
+          <a:bodyPr anchor="ctr"/>
+          <a:lstStyle/>
+          <a:p>
+            <a:pPr algn="ctr"/>
+            <a:r>
+              <a:rPr lang="en-US" dirty="0">
+                <a:solidFill>
+                  <a:schemeClr val="tx1"/>
+                </a:solidFill>
+                <a:latin typeface="+mj-lt"/>
+              </a:rPr>
+              <a:t>ANTLR object model</a:t>
+            </a:r>
+          </a:p>
+        </p:txBody>
+      </p:sp>
+      <p:pic>
+        <p:nvPicPr>
+          <p:cNvPr id="4" name="Picture 3">
+            <a:extLst>
+              <a:ext uri="{FF2B5EF4-FFF2-40B4-BE49-F238E27FC236}">
+                <a16:creationId xmlns:a16="http://schemas.microsoft.com/office/drawing/2014/main" id="{EAD9C481-E811-41AA-A936-6EECA420880B}"/>
+              </a:ext>
+            </a:extLst>
+          </p:cNvPr>
+          <p:cNvPicPr>
+            <a:picLocks noChangeAspect="1"/>
+          </p:cNvPicPr>
+          <p:nvPr/>
+        </p:nvPicPr>
+        <p:blipFill>
+          <a:blip r:embed="rId2"/>
+          <a:stretch>
+            <a:fillRect/>
+          </a:stretch>
+        </p:blipFill>
+        <p:spPr>
+          <a:xfrm>
+            <a:off x="0" y="6270273"/>
+            <a:ext cx="1129537" cy="587727"/>
+          </a:xfrm>
+          <a:prstGeom prst="rect">
+            <a:avLst/>
+          </a:prstGeom>
+        </p:spPr>
+      </p:pic>
+      <p:pic>
+        <p:nvPicPr>
+          <p:cNvPr id="10" name="Picture 9">
+            <a:extLst>
+              <a:ext uri="{FF2B5EF4-FFF2-40B4-BE49-F238E27FC236}">
+                <a16:creationId xmlns:a16="http://schemas.microsoft.com/office/drawing/2014/main" id="{BD1C197F-25B9-451C-A011-D4868C485B51}"/>
+              </a:ext>
+            </a:extLst>
+          </p:cNvPr>
+          <p:cNvPicPr>
+            <a:picLocks noChangeAspect="1"/>
+          </p:cNvPicPr>
+          <p:nvPr/>
+        </p:nvPicPr>
+        <p:blipFill>
+          <a:blip r:embed="rId3"/>
+          <a:stretch>
+            <a:fillRect/>
+          </a:stretch>
+        </p:blipFill>
+        <p:spPr>
+          <a:xfrm>
+            <a:off x="4528919" y="1790471"/>
+            <a:ext cx="3134162" cy="3277057"/>
+          </a:xfrm>
+          <a:prstGeom prst="rect">
+            <a:avLst/>
+          </a:prstGeom>
+        </p:spPr>
+      </p:pic>
+    </p:spTree>
+    <p:extLst>
+      <p:ext uri="{BB962C8B-B14F-4D97-AF65-F5344CB8AC3E}">
+        <p14:creationId xmlns:p14="http://schemas.microsoft.com/office/powerpoint/2010/main" val="2147938799"/>
+      </p:ext>
+    </p:extLst>
+  </p:cSld>
+  <p:clrMapOvr>
+    <a:masterClrMapping/>
+  </p:clrMapOvr>
+</p:sld>
+</file>
+
+<file path=ppt/slides/slide14.xml><?xml version="1.0" encoding="utf-8"?>
+<p:sld xmlns:a="http://schemas.openxmlformats.org/drawingml/2006/main" xmlns:r="http://schemas.openxmlformats.org/officeDocument/2006/relationships" xmlns:p="http://schemas.openxmlformats.org/presentationml/2006/main">
+  <p:cSld>
+    <p:bg>
+      <p:bgPr>
+        <a:solidFill>
+          <a:srgbClr val="C6C8D1"/>
+        </a:solidFill>
+        <a:effectLst/>
+      </p:bgPr>
+    </p:bg>
+    <p:spTree>
+      <p:nvGrpSpPr>
+        <p:cNvPr id="1" name=""/>
+        <p:cNvGrpSpPr/>
+        <p:nvPr/>
+      </p:nvGrpSpPr>
+      <p:grpSpPr>
+        <a:xfrm>
+          <a:off x="0" y="0"/>
+          <a:ext cx="0" cy="0"/>
+          <a:chOff x="0" y="0"/>
+          <a:chExt cx="0" cy="0"/>
+        </a:xfrm>
+      </p:grpSpPr>
+      <p:sp>
+        <p:nvSpPr>
+          <p:cNvPr id="2" name="Title 1">
+            <a:extLst>
+              <a:ext uri="{FF2B5EF4-FFF2-40B4-BE49-F238E27FC236}">
+                <a16:creationId xmlns:a16="http://schemas.microsoft.com/office/drawing/2014/main" id="{D398BFED-2F7F-49BD-B480-56FC297B15A8}"/>
+              </a:ext>
+            </a:extLst>
+          </p:cNvPr>
+          <p:cNvSpPr>
+            <a:spLocks noGrp="1"/>
+          </p:cNvSpPr>
+          <p:nvPr>
+            <p:ph type="title"/>
+          </p:nvPr>
+        </p:nvSpPr>
+        <p:spPr>
+          <a:xfrm>
+            <a:off x="609600" y="0"/>
+            <a:ext cx="10972800" cy="1143000"/>
+          </a:xfrm>
+        </p:spPr>
+        <p:txBody>
+          <a:bodyPr anchor="ctr"/>
+          <a:lstStyle/>
+          <a:p>
+            <a:pPr algn="ctr"/>
+            <a:r>
+              <a:rPr lang="en-US" dirty="0">
+                <a:solidFill>
+                  <a:schemeClr val="tx1"/>
+                </a:solidFill>
+                <a:latin typeface="+mj-lt"/>
+              </a:rPr>
+              <a:t>Parse tree visitor</a:t>
+            </a:r>
+          </a:p>
+        </p:txBody>
+      </p:sp>
+      <p:pic>
+        <p:nvPicPr>
+          <p:cNvPr id="4" name="Picture 3">
+            <a:extLst>
+              <a:ext uri="{FF2B5EF4-FFF2-40B4-BE49-F238E27FC236}">
+                <a16:creationId xmlns:a16="http://schemas.microsoft.com/office/drawing/2014/main" id="{EAD9C481-E811-41AA-A936-6EECA420880B}"/>
+              </a:ext>
+            </a:extLst>
+          </p:cNvPr>
+          <p:cNvPicPr>
+            <a:picLocks noChangeAspect="1"/>
+          </p:cNvPicPr>
+          <p:nvPr/>
+        </p:nvPicPr>
+        <p:blipFill>
+          <a:blip r:embed="rId2"/>
+          <a:stretch>
+            <a:fillRect/>
+          </a:stretch>
+        </p:blipFill>
+        <p:spPr>
+          <a:xfrm>
+            <a:off x="0" y="6270273"/>
+            <a:ext cx="1129537" cy="587727"/>
+          </a:xfrm>
+          <a:prstGeom prst="rect">
+            <a:avLst/>
+          </a:prstGeom>
+        </p:spPr>
+      </p:pic>
+      <p:pic>
+        <p:nvPicPr>
+          <p:cNvPr id="5" name="Picture 4">
+            <a:extLst>
+              <a:ext uri="{FF2B5EF4-FFF2-40B4-BE49-F238E27FC236}">
+                <a16:creationId xmlns:a16="http://schemas.microsoft.com/office/drawing/2014/main" id="{9EEB4AA6-0602-47A9-A85C-18788562A5E5}"/>
+              </a:ext>
+            </a:extLst>
+          </p:cNvPr>
+          <p:cNvPicPr>
+            <a:picLocks noChangeAspect="1"/>
+          </p:cNvPicPr>
+          <p:nvPr/>
+        </p:nvPicPr>
+        <p:blipFill>
+          <a:blip r:embed="rId3"/>
+          <a:stretch>
+            <a:fillRect/>
+          </a:stretch>
+        </p:blipFill>
+        <p:spPr>
+          <a:xfrm>
+            <a:off x="3323838" y="2395393"/>
+            <a:ext cx="5544324" cy="2067213"/>
+          </a:xfrm>
+          <a:prstGeom prst="rect">
+            <a:avLst/>
+          </a:prstGeom>
+        </p:spPr>
+      </p:pic>
+    </p:spTree>
+    <p:extLst>
+      <p:ext uri="{BB962C8B-B14F-4D97-AF65-F5344CB8AC3E}">
+        <p14:creationId xmlns:p14="http://schemas.microsoft.com/office/powerpoint/2010/main" val="1565630503"/>
+      </p:ext>
+    </p:extLst>
+  </p:cSld>
+  <p:clrMapOvr>
+    <a:masterClrMapping/>
+  </p:clrMapOvr>
+</p:sld>
+</file>
+
+<file path=ppt/slides/slide15.xml><?xml version="1.0" encoding="utf-8"?>
+<p:sld xmlns:a="http://schemas.openxmlformats.org/drawingml/2006/main" xmlns:r="http://schemas.openxmlformats.org/officeDocument/2006/relationships" xmlns:p="http://schemas.openxmlformats.org/presentationml/2006/main">
+  <p:cSld>
+    <p:bg>
+      <p:bgPr>
+        <a:solidFill>
+          <a:srgbClr val="C6C8D1"/>
+        </a:solidFill>
+        <a:effectLst/>
+      </p:bgPr>
+    </p:bg>
+    <p:spTree>
+      <p:nvGrpSpPr>
+        <p:cNvPr id="1" name=""/>
+        <p:cNvGrpSpPr/>
+        <p:nvPr/>
+      </p:nvGrpSpPr>
+      <p:grpSpPr>
+        <a:xfrm>
+          <a:off x="0" y="0"/>
+          <a:ext cx="0" cy="0"/>
+          <a:chOff x="0" y="0"/>
+          <a:chExt cx="0" cy="0"/>
+        </a:xfrm>
+      </p:grpSpPr>
+      <p:sp>
+        <p:nvSpPr>
+          <p:cNvPr id="2" name="Title 1">
+            <a:extLst>
+              <a:ext uri="{FF2B5EF4-FFF2-40B4-BE49-F238E27FC236}">
+                <a16:creationId xmlns:a16="http://schemas.microsoft.com/office/drawing/2014/main" id="{D398BFED-2F7F-49BD-B480-56FC297B15A8}"/>
+              </a:ext>
+            </a:extLst>
+          </p:cNvPr>
+          <p:cNvSpPr>
+            <a:spLocks noGrp="1"/>
+          </p:cNvSpPr>
+          <p:nvPr>
+            <p:ph type="title"/>
+          </p:nvPr>
+        </p:nvSpPr>
+        <p:spPr>
+          <a:xfrm>
+            <a:off x="609600" y="0"/>
+            <a:ext cx="10972800" cy="1143000"/>
+          </a:xfrm>
+        </p:spPr>
+        <p:txBody>
+          <a:bodyPr anchor="ctr"/>
+          <a:lstStyle/>
+          <a:p>
+            <a:pPr algn="ctr"/>
+            <a:r>
+              <a:rPr lang="en-US" dirty="0">
+                <a:solidFill>
+                  <a:schemeClr val="tx1"/>
+                </a:solidFill>
+                <a:latin typeface="+mj-lt"/>
+              </a:rPr>
+              <a:t>Application</a:t>
+            </a:r>
+          </a:p>
+        </p:txBody>
+      </p:sp>
+      <p:pic>
+        <p:nvPicPr>
+          <p:cNvPr id="4" name="Picture 3">
+            <a:extLst>
+              <a:ext uri="{FF2B5EF4-FFF2-40B4-BE49-F238E27FC236}">
+                <a16:creationId xmlns:a16="http://schemas.microsoft.com/office/drawing/2014/main" id="{EAD9C481-E811-41AA-A936-6EECA420880B}"/>
+              </a:ext>
+            </a:extLst>
+          </p:cNvPr>
+          <p:cNvPicPr>
+            <a:picLocks noChangeAspect="1"/>
+          </p:cNvPicPr>
+          <p:nvPr/>
+        </p:nvPicPr>
+        <p:blipFill>
+          <a:blip r:embed="rId2"/>
+          <a:stretch>
+            <a:fillRect/>
+          </a:stretch>
+        </p:blipFill>
+        <p:spPr>
+          <a:xfrm>
+            <a:off x="0" y="6270273"/>
+            <a:ext cx="1129537" cy="587727"/>
+          </a:xfrm>
+          <a:prstGeom prst="rect">
+            <a:avLst/>
+          </a:prstGeom>
+        </p:spPr>
+      </p:pic>
+      <p:pic>
+        <p:nvPicPr>
+          <p:cNvPr id="6" name="Picture 2">
+            <a:extLst>
+              <a:ext uri="{FF2B5EF4-FFF2-40B4-BE49-F238E27FC236}">
+                <a16:creationId xmlns:a16="http://schemas.microsoft.com/office/drawing/2014/main" id="{8F14863E-CA86-4759-ADE1-DFEA77A55AEF}"/>
+              </a:ext>
+            </a:extLst>
+          </p:cNvPr>
+          <p:cNvPicPr>
+            <a:picLocks noChangeAspect="1" noChangeArrowheads="1"/>
+          </p:cNvPicPr>
+          <p:nvPr/>
+        </p:nvPicPr>
+        <p:blipFill>
+          <a:blip r:embed="rId3">
+            <a:extLst>
+              <a:ext uri="{28A0092B-C50C-407E-A947-70E740481C1C}">
+                <a14:useLocalDpi xmlns:a14="http://schemas.microsoft.com/office/drawing/2010/main" val="0"/>
+              </a:ext>
+            </a:extLst>
+          </a:blip>
+          <a:srcRect/>
+          <a:stretch>
+            <a:fillRect/>
+          </a:stretch>
+        </p:blipFill>
+        <p:spPr bwMode="auto">
+          <a:xfrm>
+            <a:off x="3470368" y="1882270"/>
+            <a:ext cx="492033" cy="492033"/>
+          </a:xfrm>
+          <a:prstGeom prst="rect">
+            <a:avLst/>
+          </a:prstGeom>
+          <a:noFill/>
+          <a:extLst>
+            <a:ext uri="{909E8E84-426E-40DD-AFC4-6F175D3DCCD1}">
+              <a14:hiddenFill xmlns:a14="http://schemas.microsoft.com/office/drawing/2010/main">
+                <a:solidFill>
+                  <a:srgbClr val="FFFFFF"/>
+                </a:solidFill>
+              </a14:hiddenFill>
+            </a:ext>
+          </a:extLst>
+        </p:spPr>
+      </p:pic>
+      <p:pic>
+        <p:nvPicPr>
+          <p:cNvPr id="7" name="Picture 6">
+            <a:extLst>
+              <a:ext uri="{FF2B5EF4-FFF2-40B4-BE49-F238E27FC236}">
+                <a16:creationId xmlns:a16="http://schemas.microsoft.com/office/drawing/2014/main" id="{0EF96D1D-7630-4B1A-AA7D-4DC8F4BA2AF6}"/>
+              </a:ext>
+            </a:extLst>
+          </p:cNvPr>
+          <p:cNvPicPr>
+            <a:picLocks noChangeAspect="1"/>
+          </p:cNvPicPr>
+          <p:nvPr/>
+        </p:nvPicPr>
+        <p:blipFill>
+          <a:blip r:embed="rId4"/>
+          <a:stretch>
+            <a:fillRect/>
+          </a:stretch>
+        </p:blipFill>
+        <p:spPr>
+          <a:xfrm>
+            <a:off x="4348098" y="1847564"/>
+            <a:ext cx="548855" cy="561443"/>
+          </a:xfrm>
+          <a:prstGeom prst="rect">
+            <a:avLst/>
+          </a:prstGeom>
+        </p:spPr>
+      </p:pic>
+      <p:sp>
+        <p:nvSpPr>
+          <p:cNvPr id="9" name="TextBox 8">
+            <a:extLst>
+              <a:ext uri="{FF2B5EF4-FFF2-40B4-BE49-F238E27FC236}">
+                <a16:creationId xmlns:a16="http://schemas.microsoft.com/office/drawing/2014/main" id="{FA8C11F4-C77B-4A1B-AF93-705139DA02A0}"/>
+              </a:ext>
+            </a:extLst>
+          </p:cNvPr>
+          <p:cNvSpPr txBox="1"/>
+          <p:nvPr/>
+        </p:nvSpPr>
+        <p:spPr>
+          <a:xfrm>
+            <a:off x="5529943" y="1908915"/>
+            <a:ext cx="5690982" cy="923330"/>
+          </a:xfrm>
+          <a:prstGeom prst="rect">
+            <a:avLst/>
+          </a:prstGeom>
+          <a:noFill/>
+        </p:spPr>
+        <p:txBody>
+          <a:bodyPr wrap="none" rtlCol="0">
+            <a:spAutoFit/>
+          </a:bodyPr>
+          <a:lstStyle/>
+          <a:p>
+            <a:r>
+              <a:rPr lang="en-US" sz="1800" dirty="0">
+                <a:latin typeface="+mn-lt"/>
+              </a:rPr>
+              <a:t>Problems: </a:t>
+            </a:r>
+          </a:p>
+          <a:p>
+            <a:pPr marL="342900" indent="-342900">
+              <a:buFont typeface="+mj-lt"/>
+              <a:buAutoNum type="arabicPeriod"/>
+            </a:pPr>
+            <a:r>
+              <a:rPr lang="en-US" sz="1800" dirty="0" err="1">
+                <a:latin typeface="+mn-lt"/>
+              </a:rPr>
+              <a:t>Todoist</a:t>
+            </a:r>
+            <a:r>
+              <a:rPr lang="en-US" sz="1800" dirty="0">
+                <a:latin typeface="+mn-lt"/>
+              </a:rPr>
+              <a:t> in Vim (plugin)</a:t>
+            </a:r>
+          </a:p>
+          <a:p>
+            <a:pPr marL="342900" indent="-342900">
+              <a:buFont typeface="+mj-lt"/>
+              <a:buAutoNum type="arabicPeriod"/>
+            </a:pPr>
+            <a:r>
+              <a:rPr lang="en-US" sz="1800" dirty="0">
+                <a:latin typeface="+mn-lt"/>
+              </a:rPr>
+              <a:t>Markdown like DSL for </a:t>
+            </a:r>
+            <a:r>
+              <a:rPr lang="en-US" sz="1800" dirty="0" err="1">
+                <a:latin typeface="+mn-lt"/>
+              </a:rPr>
+              <a:t>todoist</a:t>
+            </a:r>
+            <a:r>
+              <a:rPr lang="en-US" sz="1800" dirty="0">
+                <a:latin typeface="+mn-lt"/>
+              </a:rPr>
+              <a:t> project</a:t>
+            </a:r>
+          </a:p>
+        </p:txBody>
+      </p:sp>
+    </p:spTree>
+    <p:extLst>
+      <p:ext uri="{BB962C8B-B14F-4D97-AF65-F5344CB8AC3E}">
+        <p14:creationId xmlns:p14="http://schemas.microsoft.com/office/powerpoint/2010/main" val="2835632401"/>
+      </p:ext>
+    </p:extLst>
+  </p:cSld>
+  <p:clrMapOvr>
+    <a:masterClrMapping/>
+  </p:clrMapOvr>
+</p:sld>
+</file>
+
+<file path=ppt/slides/slide16.xml><?xml version="1.0" encoding="utf-8"?>
+<p:sld xmlns:a="http://schemas.openxmlformats.org/drawingml/2006/main" xmlns:r="http://schemas.openxmlformats.org/officeDocument/2006/relationships" xmlns:p="http://schemas.openxmlformats.org/presentationml/2006/main">
+  <p:cSld>
+    <p:bg>
+      <p:bgPr>
+        <a:solidFill>
+          <a:srgbClr val="C6C8D1"/>
+        </a:solidFill>
+        <a:effectLst/>
+      </p:bgPr>
+    </p:bg>
+    <p:spTree>
+      <p:nvGrpSpPr>
+        <p:cNvPr id="1" name=""/>
+        <p:cNvGrpSpPr/>
+        <p:nvPr/>
+      </p:nvGrpSpPr>
+      <p:grpSpPr>
+        <a:xfrm>
+          <a:off x="0" y="0"/>
+          <a:ext cx="0" cy="0"/>
+          <a:chOff x="0" y="0"/>
+          <a:chExt cx="0" cy="0"/>
+        </a:xfrm>
+      </p:grpSpPr>
+      <p:sp>
+        <p:nvSpPr>
+          <p:cNvPr id="2" name="Title 1">
+            <a:extLst>
+              <a:ext uri="{FF2B5EF4-FFF2-40B4-BE49-F238E27FC236}">
+                <a16:creationId xmlns:a16="http://schemas.microsoft.com/office/drawing/2014/main" id="{D398BFED-2F7F-49BD-B480-56FC297B15A8}"/>
+              </a:ext>
+            </a:extLst>
+          </p:cNvPr>
+          <p:cNvSpPr>
+            <a:spLocks noGrp="1"/>
+          </p:cNvSpPr>
+          <p:nvPr>
+            <p:ph type="title"/>
+          </p:nvPr>
+        </p:nvSpPr>
+        <p:spPr>
+          <a:xfrm>
+            <a:off x="609600" y="0"/>
+            <a:ext cx="10972800" cy="1143000"/>
+          </a:xfrm>
+        </p:spPr>
+        <p:txBody>
+          <a:bodyPr anchor="ctr"/>
+          <a:lstStyle/>
+          <a:p>
+            <a:pPr algn="ctr"/>
+            <a:r>
+              <a:rPr lang="en-US" dirty="0">
+                <a:solidFill>
+                  <a:schemeClr val="tx1"/>
+                </a:solidFill>
+                <a:latin typeface="+mj-lt"/>
+              </a:rPr>
+              <a:t>Application</a:t>
+            </a:r>
+          </a:p>
+        </p:txBody>
+      </p:sp>
+      <p:pic>
+        <p:nvPicPr>
+          <p:cNvPr id="4" name="Picture 3">
+            <a:extLst>
+              <a:ext uri="{FF2B5EF4-FFF2-40B4-BE49-F238E27FC236}">
+                <a16:creationId xmlns:a16="http://schemas.microsoft.com/office/drawing/2014/main" id="{EAD9C481-E811-41AA-A936-6EECA420880B}"/>
+              </a:ext>
+            </a:extLst>
+          </p:cNvPr>
+          <p:cNvPicPr>
+            <a:picLocks noChangeAspect="1"/>
+          </p:cNvPicPr>
+          <p:nvPr/>
+        </p:nvPicPr>
+        <p:blipFill>
+          <a:blip r:embed="rId2"/>
+          <a:stretch>
+            <a:fillRect/>
+          </a:stretch>
+        </p:blipFill>
+        <p:spPr>
+          <a:xfrm>
+            <a:off x="0" y="6270273"/>
+            <a:ext cx="1129537" cy="587727"/>
+          </a:xfrm>
+          <a:prstGeom prst="rect">
+            <a:avLst/>
+          </a:prstGeom>
+        </p:spPr>
+      </p:pic>
+      <p:pic>
+        <p:nvPicPr>
+          <p:cNvPr id="5" name="Picture 4">
+            <a:extLst>
+              <a:ext uri="{FF2B5EF4-FFF2-40B4-BE49-F238E27FC236}">
+                <a16:creationId xmlns:a16="http://schemas.microsoft.com/office/drawing/2014/main" id="{F8E55B44-ED7A-4F17-92C9-046A25B2D318}"/>
+              </a:ext>
+            </a:extLst>
+          </p:cNvPr>
+          <p:cNvPicPr>
+            <a:picLocks noChangeAspect="1"/>
+          </p:cNvPicPr>
+          <p:nvPr/>
+        </p:nvPicPr>
+        <p:blipFill>
+          <a:blip r:embed="rId3"/>
+          <a:stretch>
+            <a:fillRect/>
+          </a:stretch>
+        </p:blipFill>
+        <p:spPr>
+          <a:xfrm>
+            <a:off x="2185442" y="1071233"/>
+            <a:ext cx="7821116" cy="4715533"/>
+          </a:xfrm>
+          <a:prstGeom prst="rect">
+            <a:avLst/>
+          </a:prstGeom>
+        </p:spPr>
+      </p:pic>
+    </p:spTree>
+    <p:extLst>
+      <p:ext uri="{BB962C8B-B14F-4D97-AF65-F5344CB8AC3E}">
+        <p14:creationId xmlns:p14="http://schemas.microsoft.com/office/powerpoint/2010/main" val="1974229938"/>
+      </p:ext>
+    </p:extLst>
+  </p:cSld>
+  <p:clrMapOvr>
+    <a:masterClrMapping/>
+  </p:clrMapOvr>
+</p:sld>
+</file>
+
+<file path=ppt/slides/slide17.xml><?xml version="1.0" encoding="utf-8"?>
 <p:sld xmlns:a="http://schemas.openxmlformats.org/drawingml/2006/main" xmlns:r="http://schemas.openxmlformats.org/officeDocument/2006/relationships" xmlns:p="http://schemas.openxmlformats.org/presentationml/2006/main">
   <p:cSld>
     <p:spTree>
@@ -3996,8 +4892,23 @@
                 </a:solidFill>
                 <a:latin typeface="+mj-lt"/>
               </a:rPr>
-              <a:t>Q&amp;A</a:t>
-            </a:r>
+              <a:t>DEMO markdown and </a:t>
+            </a:r>
+            <a:r>
+              <a:rPr lang="en-US" dirty="0" err="1">
+                <a:solidFill>
+                  <a:schemeClr val="tx1"/>
+                </a:solidFill>
+                <a:latin typeface="+mj-lt"/>
+              </a:rPr>
+              <a:t>todoist</a:t>
+            </a:r>
+            <a:endParaRPr lang="en-US" dirty="0">
+              <a:solidFill>
+                <a:schemeClr val="tx1"/>
+              </a:solidFill>
+              <a:latin typeface="+mj-lt"/>
+            </a:endParaRPr>
           </a:p>
         </p:txBody>
       </p:sp>
@@ -4034,7 +4945,7 @@
     </p:spTree>
     <p:extLst>
       <p:ext uri="{BB962C8B-B14F-4D97-AF65-F5344CB8AC3E}">
-        <p14:creationId xmlns:p14="http://schemas.microsoft.com/office/powerpoint/2010/main" val="1333271734"/>
+        <p14:creationId xmlns:p14="http://schemas.microsoft.com/office/powerpoint/2010/main" val="1463979579"/>
       </p:ext>
     </p:extLst>
   </p:cSld>
@@ -4044,7 +4955,7 @@
 </p:sld>
 </file>
 
-<file path=ppt/slides/slide2.xml><?xml version="1.0" encoding="utf-8"?>
+<file path=ppt/slides/slide18.xml><?xml version="1.0" encoding="utf-8"?>
 <p:sld xmlns:a="http://schemas.openxmlformats.org/drawingml/2006/main" xmlns:r="http://schemas.openxmlformats.org/officeDocument/2006/relationships" xmlns:p="http://schemas.openxmlformats.org/presentationml/2006/main">
   <p:cSld>
     <p:spTree>
@@ -4095,7 +5006,7 @@
                 </a:solidFill>
                 <a:latin typeface="+mj-lt"/>
               </a:rPr>
-              <a:t>Agenda</a:t>
+              <a:t>Links</a:t>
             </a:r>
           </a:p>
         </p:txBody>
@@ -4135,7 +5046,7 @@
           <p:cNvPr id="3" name="TextBox 2">
             <a:extLst>
               <a:ext uri="{FF2B5EF4-FFF2-40B4-BE49-F238E27FC236}">
-                <a16:creationId xmlns:a16="http://schemas.microsoft.com/office/drawing/2014/main" id="{43174A5E-A636-4CBB-95DA-3AEE7193A1FB}"/>
+                <a16:creationId xmlns:a16="http://schemas.microsoft.com/office/drawing/2014/main" id="{152EED49-F37E-453A-9CB2-5DB8C63E8280}"/>
               </a:ext>
             </a:extLst>
           </p:cNvPr>
@@ -4144,8 +5055,8 @@
         </p:nvSpPr>
         <p:spPr>
           <a:xfrm>
-            <a:off x="1025026" y="1947953"/>
-            <a:ext cx="10557374" cy="2962093"/>
+            <a:off x="702260" y="1143000"/>
+            <a:ext cx="10787480" cy="5632311"/>
           </a:xfrm>
           <a:prstGeom prst="rect">
             <a:avLst/>
@@ -4158,71 +5069,506 @@
           </a:bodyPr>
           <a:lstStyle/>
           <a:p>
-            <a:pPr marL="514350" indent="-514350">
-              <a:lnSpc>
-                <a:spcPct val="150000"/>
-              </a:lnSpc>
+            <a:r>
+              <a:rPr lang="pt-BR" sz="2000" dirty="0">
+                <a:latin typeface="+mn-lt"/>
+              </a:rPr>
+              <a:t>Introduction:</a:t>
+            </a:r>
+          </a:p>
+          <a:p>
+            <a:pPr marL="342900" indent="-342900">
               <a:buFont typeface="Arial" panose="020B0604020202020204" pitchFamily="34" charset="0"/>
               <a:buChar char="•"/>
             </a:pPr>
             <a:r>
-              <a:rPr lang="en-US" sz="3200" dirty="0">
+              <a:rPr lang="en-US" sz="2000" dirty="0">
                 <a:latin typeface="+mn-lt"/>
-              </a:rPr>
-              <a:t>Glossary</a:t>
-            </a:r>
-          </a:p>
-          <a:p>
-            <a:pPr marL="514350" indent="-514350">
-              <a:lnSpc>
-                <a:spcPct val="150000"/>
-              </a:lnSpc>
+                <a:hlinkClick r:id="rId3"/>
+              </a:rPr>
+              <a:t>Terence Parr - ANTLR4</a:t>
+            </a:r>
+            <a:endParaRPr lang="en-US" sz="2000" dirty="0">
+              <a:latin typeface="+mn-lt"/>
+            </a:endParaRPr>
+          </a:p>
+          <a:p>
+            <a:pPr marL="342900" indent="-342900">
               <a:buFont typeface="Arial" panose="020B0604020202020204" pitchFamily="34" charset="0"/>
               <a:buChar char="•"/>
             </a:pPr>
-            <a:r>
-              <a:rPr lang="en-US" sz="3200" dirty="0">
+            <a:endParaRPr lang="pt-BR" sz="2000" dirty="0">
+              <a:latin typeface="+mn-lt"/>
+            </a:endParaRPr>
+          </a:p>
+          <a:p>
+            <a:r>
+              <a:rPr lang="pt-BR" sz="2000" dirty="0">
                 <a:latin typeface="+mn-lt"/>
               </a:rPr>
-              <a:t>ANTLR</a:t>
-            </a:r>
-          </a:p>
-          <a:p>
-            <a:pPr marL="514350" indent="-514350">
-              <a:lnSpc>
-                <a:spcPct val="150000"/>
-              </a:lnSpc>
+              <a:t>Reference:</a:t>
+            </a:r>
+          </a:p>
+          <a:p>
+            <a:pPr marL="342900" indent="-342900">
               <a:buFont typeface="Arial" panose="020B0604020202020204" pitchFamily="34" charset="0"/>
               <a:buChar char="•"/>
             </a:pPr>
             <a:r>
-              <a:rPr lang="en-US" sz="3200" dirty="0">
+              <a:rPr lang="en-US" sz="2000" dirty="0">
                 <a:latin typeface="+mn-lt"/>
-              </a:rPr>
-              <a:t>Application</a:t>
-            </a:r>
-          </a:p>
-          <a:p>
-            <a:pPr marL="514350" indent="-514350">
-              <a:lnSpc>
-                <a:spcPct val="150000"/>
-              </a:lnSpc>
+                <a:hlinkClick r:id="rId4"/>
+              </a:rPr>
+              <a:t>https://evbyminsdbookz.minsk.epam.com/?c=&amp;q=ANTLR</a:t>
+            </a:r>
+            <a:endParaRPr lang="en-US" sz="2000" dirty="0">
+              <a:latin typeface="+mn-lt"/>
+            </a:endParaRPr>
+          </a:p>
+          <a:p>
+            <a:pPr marL="342900" indent="-342900">
               <a:buFont typeface="Arial" panose="020B0604020202020204" pitchFamily="34" charset="0"/>
               <a:buChar char="•"/>
             </a:pPr>
             <a:r>
-              <a:rPr lang="en-US" sz="3200" dirty="0">
+              <a:rPr lang="en-US" sz="2000" dirty="0" err="1">
                 <a:latin typeface="+mn-lt"/>
-              </a:rPr>
-              <a:t>Q&amp;A</a:t>
-            </a:r>
+                <a:hlinkClick r:id="rId5"/>
+              </a:rPr>
+              <a:t>Github</a:t>
+            </a:r>
+            <a:r>
+              <a:rPr lang="en-US" sz="2000" dirty="0">
+                <a:latin typeface="+mn-lt"/>
+                <a:hlinkClick r:id="rId5"/>
+              </a:rPr>
+              <a:t> documentation</a:t>
+            </a:r>
+            <a:endParaRPr lang="en-US" sz="2000" dirty="0">
+              <a:latin typeface="+mn-lt"/>
+            </a:endParaRPr>
+          </a:p>
+          <a:p>
+            <a:endParaRPr lang="en-US" sz="2000" dirty="0">
+              <a:latin typeface="+mn-lt"/>
+            </a:endParaRPr>
+          </a:p>
+          <a:p>
+            <a:r>
+              <a:rPr lang="en-US" sz="2000" dirty="0">
+                <a:latin typeface="+mn-lt"/>
+              </a:rPr>
+              <a:t>Tools:</a:t>
+            </a:r>
+          </a:p>
+          <a:p>
+            <a:pPr marL="342900" indent="-342900">
+              <a:buFont typeface="Arial" panose="020B0604020202020204" pitchFamily="34" charset="0"/>
+              <a:buChar char="•"/>
+            </a:pPr>
+            <a:r>
+              <a:rPr lang="en-US" sz="2000" dirty="0">
+                <a:latin typeface="+mn-lt"/>
+                <a:hlinkClick r:id="rId6"/>
+              </a:rPr>
+              <a:t>https://www.antlr.org/tools.html</a:t>
+            </a:r>
+            <a:endParaRPr lang="en-US" sz="2000" dirty="0">
+              <a:latin typeface="+mn-lt"/>
+            </a:endParaRPr>
+          </a:p>
+          <a:p>
+            <a:endParaRPr lang="en-US" sz="2000" dirty="0">
+              <a:latin typeface="+mn-lt"/>
+            </a:endParaRPr>
+          </a:p>
+          <a:p>
+            <a:r>
+              <a:rPr lang="en-US" sz="2000" dirty="0">
+                <a:latin typeface="+mn-lt"/>
+              </a:rPr>
+              <a:t>Examples:</a:t>
+            </a:r>
+          </a:p>
+          <a:p>
+            <a:pPr marL="342900" lvl="3" indent="-342900">
+              <a:buFont typeface="Arial" panose="020B0604020202020204" pitchFamily="34" charset="0"/>
+              <a:buChar char="•"/>
+            </a:pPr>
+            <a:r>
+              <a:rPr lang="en-US" sz="2000" dirty="0">
+                <a:latin typeface="+mn-lt"/>
+                <a:hlinkClick r:id="rId7"/>
+              </a:rPr>
+              <a:t>https://github.com/ncalc/ncalc/blob/master/Grammar/NCalc.g</a:t>
+            </a:r>
+            <a:endParaRPr lang="en-US" sz="2000" dirty="0">
+              <a:latin typeface="+mn-lt"/>
+            </a:endParaRPr>
+          </a:p>
+          <a:p>
+            <a:pPr marL="342900" indent="-342900">
+              <a:buFont typeface="Arial" panose="020B0604020202020204" pitchFamily="34" charset="0"/>
+              <a:buChar char="•"/>
+            </a:pPr>
+            <a:r>
+              <a:rPr lang="en-US" sz="2000" dirty="0">
+                <a:latin typeface="+mn-lt"/>
+                <a:hlinkClick r:id="rId8"/>
+              </a:rPr>
+              <a:t>https://github.com/mar9000/antmark/tree/master/src/org/mar9000/antmark/grammar</a:t>
+            </a:r>
+            <a:endParaRPr lang="en-US" sz="2000" dirty="0">
+              <a:latin typeface="+mn-lt"/>
+            </a:endParaRPr>
+          </a:p>
+          <a:p>
+            <a:endParaRPr lang="en-US" sz="2000" dirty="0">
+              <a:latin typeface="+mn-lt"/>
+              <a:hlinkClick r:id="rId6"/>
+            </a:endParaRPr>
+          </a:p>
+          <a:p>
+            <a:endParaRPr lang="en-US" sz="2000" dirty="0">
+              <a:latin typeface="+mn-lt"/>
+              <a:hlinkClick r:id="rId6"/>
+            </a:endParaRPr>
+          </a:p>
+          <a:p>
+            <a:endParaRPr lang="en-US" sz="2000" dirty="0">
+              <a:latin typeface="+mn-lt"/>
+              <a:hlinkClick r:id="rId6"/>
+            </a:endParaRPr>
+          </a:p>
+          <a:p>
+            <a:endParaRPr lang="en-US" sz="2000" dirty="0">
+              <a:latin typeface="+mn-lt"/>
+            </a:endParaRPr>
           </a:p>
         </p:txBody>
       </p:sp>
     </p:spTree>
     <p:extLst>
       <p:ext uri="{BB962C8B-B14F-4D97-AF65-F5344CB8AC3E}">
-        <p14:creationId xmlns:p14="http://schemas.microsoft.com/office/powerpoint/2010/main" val="1149073934"/>
+        <p14:creationId xmlns:p14="http://schemas.microsoft.com/office/powerpoint/2010/main" val="4169196528"/>
+      </p:ext>
+    </p:extLst>
+  </p:cSld>
+  <p:clrMapOvr>
+    <a:masterClrMapping/>
+  </p:clrMapOvr>
+</p:sld>
+</file>
+
+<file path=ppt/slides/slide19.xml><?xml version="1.0" encoding="utf-8"?>
+<p:sld xmlns:a="http://schemas.openxmlformats.org/drawingml/2006/main" xmlns:r="http://schemas.openxmlformats.org/officeDocument/2006/relationships" xmlns:p="http://schemas.openxmlformats.org/presentationml/2006/main">
+  <p:cSld>
+    <p:spTree>
+      <p:nvGrpSpPr>
+        <p:cNvPr id="1" name=""/>
+        <p:cNvGrpSpPr/>
+        <p:nvPr/>
+      </p:nvGrpSpPr>
+      <p:grpSpPr>
+        <a:xfrm>
+          <a:off x="0" y="0"/>
+          <a:ext cx="0" cy="0"/>
+          <a:chOff x="0" y="0"/>
+          <a:chExt cx="0" cy="0"/>
+        </a:xfrm>
+      </p:grpSpPr>
+      <p:sp>
+        <p:nvSpPr>
+          <p:cNvPr id="2" name="Title 1">
+            <a:extLst>
+              <a:ext uri="{FF2B5EF4-FFF2-40B4-BE49-F238E27FC236}">
+                <a16:creationId xmlns:a16="http://schemas.microsoft.com/office/drawing/2014/main" id="{D398BFED-2F7F-49BD-B480-56FC297B15A8}"/>
+              </a:ext>
+            </a:extLst>
+          </p:cNvPr>
+          <p:cNvSpPr>
+            <a:spLocks noGrp="1"/>
+          </p:cNvSpPr>
+          <p:nvPr>
+            <p:ph type="title"/>
+          </p:nvPr>
+        </p:nvSpPr>
+        <p:spPr>
+          <a:xfrm>
+            <a:off x="609600" y="2857500"/>
+            <a:ext cx="10972800" cy="1143000"/>
+          </a:xfrm>
+        </p:spPr>
+        <p:txBody>
+          <a:bodyPr anchor="ctr"/>
+          <a:lstStyle/>
+          <a:p>
+            <a:pPr algn="ctr"/>
+            <a:r>
+              <a:rPr lang="en-US" dirty="0">
+                <a:solidFill>
+                  <a:schemeClr val="tx1"/>
+                </a:solidFill>
+                <a:latin typeface="+mj-lt"/>
+              </a:rPr>
+              <a:t>Q&amp;A</a:t>
+            </a:r>
+          </a:p>
+        </p:txBody>
+      </p:sp>
+      <p:pic>
+        <p:nvPicPr>
+          <p:cNvPr id="4" name="Picture 3">
+            <a:extLst>
+              <a:ext uri="{FF2B5EF4-FFF2-40B4-BE49-F238E27FC236}">
+                <a16:creationId xmlns:a16="http://schemas.microsoft.com/office/drawing/2014/main" id="{EAD9C481-E811-41AA-A936-6EECA420880B}"/>
+              </a:ext>
+            </a:extLst>
+          </p:cNvPr>
+          <p:cNvPicPr>
+            <a:picLocks noChangeAspect="1"/>
+          </p:cNvPicPr>
+          <p:nvPr/>
+        </p:nvPicPr>
+        <p:blipFill>
+          <a:blip r:embed="rId2"/>
+          <a:stretch>
+            <a:fillRect/>
+          </a:stretch>
+        </p:blipFill>
+        <p:spPr>
+          <a:xfrm>
+            <a:off x="0" y="6270273"/>
+            <a:ext cx="1129537" cy="587727"/>
+          </a:xfrm>
+          <a:prstGeom prst="rect">
+            <a:avLst/>
+          </a:prstGeom>
+        </p:spPr>
+      </p:pic>
+    </p:spTree>
+    <p:extLst>
+      <p:ext uri="{BB962C8B-B14F-4D97-AF65-F5344CB8AC3E}">
+        <p14:creationId xmlns:p14="http://schemas.microsoft.com/office/powerpoint/2010/main" val="1333271734"/>
+      </p:ext>
+    </p:extLst>
+  </p:cSld>
+  <p:clrMapOvr>
+    <a:masterClrMapping/>
+  </p:clrMapOvr>
+</p:sld>
+</file>
+
+<file path=ppt/slides/slide2.xml><?xml version="1.0" encoding="utf-8"?>
+<p:sld xmlns:a="http://schemas.openxmlformats.org/drawingml/2006/main" xmlns:r="http://schemas.openxmlformats.org/officeDocument/2006/relationships" xmlns:p="http://schemas.openxmlformats.org/presentationml/2006/main">
+  <p:cSld>
+    <p:spTree>
+      <p:nvGrpSpPr>
+        <p:cNvPr id="1" name=""/>
+        <p:cNvGrpSpPr/>
+        <p:nvPr/>
+      </p:nvGrpSpPr>
+      <p:grpSpPr>
+        <a:xfrm>
+          <a:off x="0" y="0"/>
+          <a:ext cx="0" cy="0"/>
+          <a:chOff x="0" y="0"/>
+          <a:chExt cx="0" cy="0"/>
+        </a:xfrm>
+      </p:grpSpPr>
+      <p:pic>
+        <p:nvPicPr>
+          <p:cNvPr id="8" name="Picture 7">
+            <a:extLst>
+              <a:ext uri="{FF2B5EF4-FFF2-40B4-BE49-F238E27FC236}">
+                <a16:creationId xmlns:a16="http://schemas.microsoft.com/office/drawing/2014/main" id="{29C31074-C362-415D-9B8D-EDFE0B690204}"/>
+              </a:ext>
+            </a:extLst>
+          </p:cNvPr>
+          <p:cNvPicPr>
+            <a:picLocks noChangeAspect="1"/>
+          </p:cNvPicPr>
+          <p:nvPr/>
+        </p:nvPicPr>
+        <p:blipFill>
+          <a:blip r:embed="rId2"/>
+          <a:stretch>
+            <a:fillRect/>
+          </a:stretch>
+        </p:blipFill>
+        <p:spPr>
+          <a:xfrm>
+            <a:off x="0" y="7435"/>
+            <a:ext cx="12192000" cy="6843129"/>
+          </a:xfrm>
+          <a:prstGeom prst="rect">
+            <a:avLst/>
+          </a:prstGeom>
+        </p:spPr>
+      </p:pic>
+      <p:sp>
+        <p:nvSpPr>
+          <p:cNvPr id="9" name="TextBox 8">
+            <a:extLst>
+              <a:ext uri="{FF2B5EF4-FFF2-40B4-BE49-F238E27FC236}">
+                <a16:creationId xmlns:a16="http://schemas.microsoft.com/office/drawing/2014/main" id="{4091B8B9-2A2C-4156-9B86-91E62B5D9D0A}"/>
+              </a:ext>
+            </a:extLst>
+          </p:cNvPr>
+          <p:cNvSpPr txBox="1"/>
+          <p:nvPr/>
+        </p:nvSpPr>
+        <p:spPr>
+          <a:xfrm>
+            <a:off x="337929" y="1361661"/>
+            <a:ext cx="6420679" cy="2800767"/>
+          </a:xfrm>
+          <a:prstGeom prst="rect">
+            <a:avLst/>
+          </a:prstGeom>
+          <a:noFill/>
+        </p:spPr>
+        <p:txBody>
+          <a:bodyPr wrap="square" rtlCol="0">
+            <a:spAutoFit/>
+          </a:bodyPr>
+          <a:lstStyle/>
+          <a:p>
+            <a:r>
+              <a:rPr lang="en-US" sz="3200" dirty="0">
+                <a:solidFill>
+                  <a:schemeClr val="bg1">
+                    <a:lumMod val="40000"/>
+                    <a:lumOff val="60000"/>
+                  </a:schemeClr>
+                </a:solidFill>
+                <a:latin typeface="+mj-lt"/>
+              </a:rPr>
+              <a:t>Agenda</a:t>
+            </a:r>
+          </a:p>
+          <a:p>
+            <a:endParaRPr lang="en-US" sz="4800" dirty="0">
+              <a:solidFill>
+                <a:schemeClr val="bg1">
+                  <a:lumMod val="40000"/>
+                  <a:lumOff val="60000"/>
+                </a:schemeClr>
+              </a:solidFill>
+              <a:latin typeface="+mj-lt"/>
+            </a:endParaRPr>
+          </a:p>
+          <a:p>
+            <a:pPr marL="285750" indent="-285750">
+              <a:buClr>
+                <a:schemeClr val="bg1">
+                  <a:lumMod val="20000"/>
+                  <a:lumOff val="80000"/>
+                </a:schemeClr>
+              </a:buClr>
+              <a:buFont typeface="Arial" panose="020B0604020202020204" pitchFamily="34" charset="0"/>
+              <a:buChar char="•"/>
+            </a:pPr>
+            <a:r>
+              <a:rPr lang="en-US" sz="2400" dirty="0">
+                <a:solidFill>
+                  <a:schemeClr val="bg1">
+                    <a:lumMod val="40000"/>
+                    <a:lumOff val="60000"/>
+                  </a:schemeClr>
+                </a:solidFill>
+                <a:latin typeface="+mj-lt"/>
+              </a:rPr>
+              <a:t>Glossary</a:t>
+            </a:r>
+          </a:p>
+          <a:p>
+            <a:pPr marL="285750" indent="-285750">
+              <a:buClr>
+                <a:schemeClr val="bg1">
+                  <a:lumMod val="20000"/>
+                  <a:lumOff val="80000"/>
+                </a:schemeClr>
+              </a:buClr>
+              <a:buFont typeface="Arial" panose="020B0604020202020204" pitchFamily="34" charset="0"/>
+              <a:buChar char="•"/>
+            </a:pPr>
+            <a:r>
+              <a:rPr lang="en-US" sz="2400" dirty="0">
+                <a:solidFill>
+                  <a:schemeClr val="bg1">
+                    <a:lumMod val="40000"/>
+                    <a:lumOff val="60000"/>
+                  </a:schemeClr>
+                </a:solidFill>
+                <a:latin typeface="+mj-lt"/>
+              </a:rPr>
+              <a:t>ANTLR</a:t>
+            </a:r>
+          </a:p>
+          <a:p>
+            <a:pPr marL="285750" indent="-285750">
+              <a:buClr>
+                <a:schemeClr val="bg1">
+                  <a:lumMod val="20000"/>
+                  <a:lumOff val="80000"/>
+                </a:schemeClr>
+              </a:buClr>
+              <a:buFont typeface="Arial" panose="020B0604020202020204" pitchFamily="34" charset="0"/>
+              <a:buChar char="•"/>
+            </a:pPr>
+            <a:r>
+              <a:rPr lang="en-US" sz="2400" dirty="0">
+                <a:solidFill>
+                  <a:schemeClr val="bg1">
+                    <a:lumMod val="40000"/>
+                    <a:lumOff val="60000"/>
+                  </a:schemeClr>
+                </a:solidFill>
+                <a:latin typeface="+mj-lt"/>
+              </a:rPr>
+              <a:t>Application</a:t>
+            </a:r>
+          </a:p>
+          <a:p>
+            <a:pPr marL="285750" indent="-285750">
+              <a:buClr>
+                <a:schemeClr val="bg1">
+                  <a:lumMod val="20000"/>
+                  <a:lumOff val="80000"/>
+                </a:schemeClr>
+              </a:buClr>
+              <a:buFont typeface="Arial" panose="020B0604020202020204" pitchFamily="34" charset="0"/>
+              <a:buChar char="•"/>
+            </a:pPr>
+            <a:r>
+              <a:rPr lang="en-US" sz="2400" dirty="0">
+                <a:solidFill>
+                  <a:schemeClr val="bg1">
+                    <a:lumMod val="40000"/>
+                    <a:lumOff val="60000"/>
+                  </a:schemeClr>
+                </a:solidFill>
+                <a:latin typeface="+mj-lt"/>
+              </a:rPr>
+              <a:t>Q&amp;A</a:t>
+            </a:r>
+            <a:endParaRPr lang="en-US" sz="1100" dirty="0">
+              <a:solidFill>
+                <a:schemeClr val="bg1">
+                  <a:lumMod val="40000"/>
+                  <a:lumOff val="60000"/>
+                </a:schemeClr>
+              </a:solidFill>
+              <a:latin typeface="+mn-lt"/>
+            </a:endParaRPr>
+          </a:p>
+        </p:txBody>
+      </p:sp>
+    </p:spTree>
+    <p:extLst>
+      <p:ext uri="{BB962C8B-B14F-4D97-AF65-F5344CB8AC3E}">
+        <p14:creationId xmlns:p14="http://schemas.microsoft.com/office/powerpoint/2010/main" val="736123667"/>
       </p:ext>
     </p:extLst>
   </p:cSld>
@@ -4380,7 +5726,7 @@
         <p:spPr>
           <a:xfrm>
             <a:off x="5495109" y="2459504"/>
-            <a:ext cx="4467497" cy="1938992"/>
+            <a:ext cx="4467497" cy="1569660"/>
           </a:xfrm>
           <a:prstGeom prst="rect">
             <a:avLst/>
@@ -4404,18 +5750,6 @@
             <a:endParaRPr lang="en-US" sz="2400" dirty="0">
               <a:latin typeface="+mn-lt"/>
             </a:endParaRPr>
-          </a:p>
-          <a:p>
-            <a:pPr marL="285750" indent="-285750">
-              <a:buFont typeface="Arial" panose="020B0604020202020204" pitchFamily="34" charset="0"/>
-              <a:buChar char="•"/>
-            </a:pPr>
-            <a:r>
-              <a:rPr lang="en-US" sz="2400" dirty="0">
-                <a:latin typeface="+mn-lt"/>
-              </a:rPr>
-              <a:t>Parsing</a:t>
-            </a:r>
           </a:p>
           <a:p>
             <a:pPr marL="285750" indent="-285750">
@@ -4459,6 +5793,14 @@
 <file path=ppt/slides/slide4.xml><?xml version="1.0" encoding="utf-8"?>
 <p:sld xmlns:a="http://schemas.openxmlformats.org/drawingml/2006/main" xmlns:r="http://schemas.openxmlformats.org/officeDocument/2006/relationships" xmlns:p="http://schemas.openxmlformats.org/presentationml/2006/main">
   <p:cSld>
+    <p:bg>
+      <p:bgPr>
+        <a:solidFill>
+          <a:srgbClr val="C6C8D1"/>
+        </a:solidFill>
+        <a:effectLst/>
+      </p:bgPr>
+    </p:bg>
     <p:spTree>
       <p:nvGrpSpPr>
         <p:cNvPr id="1" name=""/>
@@ -4507,7 +5849,7 @@
                 </a:solidFill>
                 <a:latin typeface="+mj-lt"/>
               </a:rPr>
-              <a:t>Parsing</a:t>
+              <a:t>Phases</a:t>
             </a:r>
           </a:p>
         </p:txBody>
@@ -4544,135 +5886,10 @@
       </p:pic>
       <p:pic>
         <p:nvPicPr>
-          <p:cNvPr id="1026" name="Picture 2">
+          <p:cNvPr id="9" name="Picture 8">
             <a:extLst>
               <a:ext uri="{FF2B5EF4-FFF2-40B4-BE49-F238E27FC236}">
-                <a16:creationId xmlns:a16="http://schemas.microsoft.com/office/drawing/2014/main" id="{556917FF-A278-437F-871A-18F6FEE9C594}"/>
-              </a:ext>
-            </a:extLst>
-          </p:cNvPr>
-          <p:cNvPicPr>
-            <a:picLocks noChangeAspect="1" noChangeArrowheads="1"/>
-          </p:cNvPicPr>
-          <p:nvPr/>
-        </p:nvPicPr>
-        <p:blipFill>
-          <a:blip r:embed="rId3">
-            <a:extLst>
-              <a:ext uri="{28A0092B-C50C-407E-A947-70E740481C1C}">
-                <a14:useLocalDpi xmlns:a14="http://schemas.microsoft.com/office/drawing/2010/main" val="0"/>
-              </a:ext>
-            </a:extLst>
-          </a:blip>
-          <a:srcRect/>
-          <a:stretch>
-            <a:fillRect/>
-          </a:stretch>
-        </p:blipFill>
-        <p:spPr bwMode="auto">
-          <a:xfrm>
-            <a:off x="1129537" y="1330149"/>
-            <a:ext cx="3676650" cy="4752975"/>
-          </a:xfrm>
-          <a:prstGeom prst="rect">
-            <a:avLst/>
-          </a:prstGeom>
-          <a:noFill/>
-          <a:extLst>
-            <a:ext uri="{909E8E84-426E-40DD-AFC4-6F175D3DCCD1}">
-              <a14:hiddenFill xmlns:a14="http://schemas.microsoft.com/office/drawing/2010/main">
-                <a:solidFill>
-                  <a:srgbClr val="FFFFFF"/>
-                </a:solidFill>
-              </a14:hiddenFill>
-            </a:ext>
-          </a:extLst>
-        </p:spPr>
-      </p:pic>
-      <p:sp>
-        <p:nvSpPr>
-          <p:cNvPr id="3" name="TextBox 2">
-            <a:extLst>
-              <a:ext uri="{FF2B5EF4-FFF2-40B4-BE49-F238E27FC236}">
-                <a16:creationId xmlns:a16="http://schemas.microsoft.com/office/drawing/2014/main" id="{E9A132D2-5932-42C7-B7E9-20B3B05C3FB7}"/>
-              </a:ext>
-            </a:extLst>
-          </p:cNvPr>
-          <p:cNvSpPr txBox="1"/>
-          <p:nvPr/>
-        </p:nvSpPr>
-        <p:spPr>
-          <a:xfrm>
-            <a:off x="5495109" y="2459504"/>
-            <a:ext cx="4467497" cy="1938992"/>
-          </a:xfrm>
-          <a:prstGeom prst="rect">
-            <a:avLst/>
-          </a:prstGeom>
-          <a:noFill/>
-        </p:spPr>
-        <p:txBody>
-          <a:bodyPr wrap="square" rtlCol="0">
-            <a:spAutoFit/>
-          </a:bodyPr>
-          <a:lstStyle/>
-          <a:p>
-            <a:r>
-              <a:rPr lang="en-US" sz="2400" dirty="0">
-                <a:latin typeface="+mn-lt"/>
-              </a:rPr>
-              <a:t>Chapters 1, 2, 3, 4</a:t>
-            </a:r>
-          </a:p>
-          <a:p>
-            <a:endParaRPr lang="en-US" sz="2400" dirty="0">
-              <a:latin typeface="+mn-lt"/>
-            </a:endParaRPr>
-          </a:p>
-          <a:p>
-            <a:pPr marL="285750" indent="-285750">
-              <a:buFont typeface="Arial" panose="020B0604020202020204" pitchFamily="34" charset="0"/>
-              <a:buChar char="•"/>
-            </a:pPr>
-            <a:r>
-              <a:rPr lang="en-US" sz="2400" dirty="0">
-                <a:latin typeface="+mn-lt"/>
-              </a:rPr>
-              <a:t>Parsing</a:t>
-            </a:r>
-          </a:p>
-          <a:p>
-            <a:pPr marL="285750" indent="-285750">
-              <a:buFont typeface="Arial" panose="020B0604020202020204" pitchFamily="34" charset="0"/>
-              <a:buChar char="•"/>
-            </a:pPr>
-            <a:r>
-              <a:rPr lang="en-US" sz="2400" dirty="0">
-                <a:latin typeface="+mn-lt"/>
-              </a:rPr>
-              <a:t>Lexical analysis</a:t>
-            </a:r>
-          </a:p>
-          <a:p>
-            <a:pPr marL="285750" indent="-285750">
-              <a:buFont typeface="Arial" panose="020B0604020202020204" pitchFamily="34" charset="0"/>
-              <a:buChar char="•"/>
-            </a:pPr>
-            <a:r>
-              <a:rPr lang="en-US" sz="2400" dirty="0">
-                <a:latin typeface="+mn-lt"/>
-              </a:rPr>
-              <a:t>Syntax analysis</a:t>
-            </a:r>
-          </a:p>
-        </p:txBody>
-      </p:sp>
-      <p:pic>
-        <p:nvPicPr>
-          <p:cNvPr id="6" name="Picture 5">
-            <a:extLst>
-              <a:ext uri="{FF2B5EF4-FFF2-40B4-BE49-F238E27FC236}">
-                <a16:creationId xmlns:a16="http://schemas.microsoft.com/office/drawing/2014/main" id="{0B9A2083-4363-43EF-A313-676A9A6A6CFB}"/>
+                <a16:creationId xmlns:a16="http://schemas.microsoft.com/office/drawing/2014/main" id="{347C6A4F-3672-41E6-8F08-AABEC199D516}"/>
               </a:ext>
             </a:extLst>
           </p:cNvPr>
@@ -4682,15 +5899,15 @@
           <p:nvPr/>
         </p:nvPicPr>
         <p:blipFill>
-          <a:blip r:embed="rId4"/>
+          <a:blip r:embed="rId3"/>
           <a:stretch>
             <a:fillRect/>
           </a:stretch>
         </p:blipFill>
         <p:spPr>
           <a:xfrm>
-            <a:off x="4933788" y="2328709"/>
-            <a:ext cx="2324424" cy="2200582"/>
+            <a:off x="5110162" y="1576387"/>
+            <a:ext cx="1971675" cy="3705225"/>
           </a:xfrm>
           <a:prstGeom prst="rect">
             <a:avLst/>
@@ -4713,6 +5930,14 @@
 <file path=ppt/slides/slide5.xml><?xml version="1.0" encoding="utf-8"?>
 <p:sld xmlns:a="http://schemas.openxmlformats.org/drawingml/2006/main" xmlns:r="http://schemas.openxmlformats.org/officeDocument/2006/relationships" xmlns:p="http://schemas.openxmlformats.org/presentationml/2006/main">
   <p:cSld>
+    <p:bg>
+      <p:bgPr>
+        <a:solidFill>
+          <a:srgbClr val="C6C8D1"/>
+        </a:solidFill>
+        <a:effectLst/>
+      </p:bgPr>
+    </p:bg>
     <p:spTree>
       <p:nvGrpSpPr>
         <p:cNvPr id="1" name=""/>
@@ -4745,7 +5970,7 @@
         </p:nvSpPr>
         <p:spPr>
           <a:xfrm>
-            <a:off x="609600" y="2857500"/>
+            <a:off x="609600" y="0"/>
             <a:ext cx="10972800" cy="1143000"/>
           </a:xfrm>
         </p:spPr>
@@ -4761,7 +5986,7 @@
                 </a:solidFill>
                 <a:latin typeface="+mj-lt"/>
               </a:rPr>
-              <a:t>Expectations</a:t>
+              <a:t>Lexical analysis</a:t>
             </a:r>
           </a:p>
         </p:txBody>
@@ -4796,10 +6021,135 @@
           </a:prstGeom>
         </p:spPr>
       </p:pic>
+      <p:sp>
+        <p:nvSpPr>
+          <p:cNvPr id="3" name="TextBox 2">
+            <a:extLst>
+              <a:ext uri="{FF2B5EF4-FFF2-40B4-BE49-F238E27FC236}">
+                <a16:creationId xmlns:a16="http://schemas.microsoft.com/office/drawing/2014/main" id="{83193C92-255A-40A6-BAE5-B35B31781A59}"/>
+              </a:ext>
+            </a:extLst>
+          </p:cNvPr>
+          <p:cNvSpPr txBox="1"/>
+          <p:nvPr/>
+        </p:nvSpPr>
+        <p:spPr>
+          <a:xfrm>
+            <a:off x="1851314" y="2598003"/>
+            <a:ext cx="8489372" cy="1938992"/>
+          </a:xfrm>
+          <a:prstGeom prst="rect">
+            <a:avLst/>
+          </a:prstGeom>
+          <a:noFill/>
+        </p:spPr>
+        <p:txBody>
+          <a:bodyPr wrap="square" rtlCol="0">
+            <a:spAutoFit/>
+          </a:bodyPr>
+          <a:lstStyle/>
+          <a:p>
+            <a:pPr algn="ctr"/>
+            <a:r>
+              <a:rPr lang="en-US" sz="2400" dirty="0">
+                <a:latin typeface="+mn-lt"/>
+              </a:rPr>
+              <a:t>G</a:t>
+            </a:r>
+            <a:r>
+              <a:rPr lang="en-US" sz="2400" b="0" i="0" u="none" strike="noStrike" baseline="0" dirty="0">
+                <a:latin typeface="+mn-lt"/>
+              </a:rPr>
+              <a:t>roups the characters into meaningful sequences called </a:t>
+            </a:r>
+            <a:r>
+              <a:rPr lang="en-US" sz="2400" b="0" i="1" u="none" strike="noStrike" baseline="0" dirty="0">
+                <a:latin typeface="+mn-lt"/>
+              </a:rPr>
+              <a:t>lexemes</a:t>
+            </a:r>
+            <a:endParaRPr lang="en-US" sz="2400" b="1" i="1" u="none" strike="noStrike" baseline="0" dirty="0">
+              <a:latin typeface="+mn-lt"/>
+            </a:endParaRPr>
+          </a:p>
+          <a:p>
+            <a:pPr algn="ctr"/>
+            <a:endParaRPr lang="en-US" sz="1800" b="1" dirty="0">
+              <a:latin typeface="+mn-lt"/>
+            </a:endParaRPr>
+          </a:p>
+          <a:p>
+            <a:pPr algn="ctr"/>
+            <a:endParaRPr lang="en-US" sz="1800" b="1" dirty="0">
+              <a:latin typeface="+mn-lt"/>
+            </a:endParaRPr>
+          </a:p>
+          <a:p>
+            <a:pPr algn="ctr"/>
+            <a:endParaRPr lang="en-US" sz="1800" b="1" i="0" u="none" strike="noStrike" baseline="0" dirty="0">
+              <a:latin typeface="+mn-lt"/>
+            </a:endParaRPr>
+          </a:p>
+          <a:p>
+            <a:pPr algn="ctr"/>
+            <a:r>
+              <a:rPr lang="en-US" sz="1800" b="1" i="0" u="none" strike="noStrike" baseline="0" dirty="0">
+                <a:latin typeface="+mn-lt"/>
+              </a:rPr>
+              <a:t>(token-name, attribute-value)</a:t>
+            </a:r>
+            <a:endParaRPr lang="en-US" b="1" dirty="0">
+              <a:latin typeface="+mn-lt"/>
+            </a:endParaRPr>
+          </a:p>
+        </p:txBody>
+      </p:sp>
+      <p:cxnSp>
+        <p:nvCxnSpPr>
+          <p:cNvPr id="6" name="Straight Arrow Connector 5">
+            <a:extLst>
+              <a:ext uri="{FF2B5EF4-FFF2-40B4-BE49-F238E27FC236}">
+                <a16:creationId xmlns:a16="http://schemas.microsoft.com/office/drawing/2014/main" id="{B8586B03-D105-4CAB-986E-236939D9FB37}"/>
+              </a:ext>
+            </a:extLst>
+          </p:cNvPr>
+          <p:cNvCxnSpPr/>
+          <p:nvPr/>
+        </p:nvCxnSpPr>
+        <p:spPr>
+          <a:xfrm>
+            <a:off x="6096000" y="3567499"/>
+            <a:ext cx="0" cy="405245"/>
+          </a:xfrm>
+          <a:prstGeom prst="straightConnector1">
+            <a:avLst/>
+          </a:prstGeom>
+          <a:ln w="25400">
+            <a:solidFill>
+              <a:schemeClr val="tx1"/>
+            </a:solidFill>
+            <a:tailEnd type="triangle"/>
+          </a:ln>
+        </p:spPr>
+        <p:style>
+          <a:lnRef idx="1">
+            <a:schemeClr val="accent1"/>
+          </a:lnRef>
+          <a:fillRef idx="0">
+            <a:schemeClr val="accent1"/>
+          </a:fillRef>
+          <a:effectRef idx="0">
+            <a:schemeClr val="accent1"/>
+          </a:effectRef>
+          <a:fontRef idx="minor">
+            <a:schemeClr val="tx1"/>
+          </a:fontRef>
+        </p:style>
+      </p:cxnSp>
     </p:spTree>
     <p:extLst>
       <p:ext uri="{BB962C8B-B14F-4D97-AF65-F5344CB8AC3E}">
-        <p14:creationId xmlns:p14="http://schemas.microsoft.com/office/powerpoint/2010/main" val="4043322203"/>
+        <p14:creationId xmlns:p14="http://schemas.microsoft.com/office/powerpoint/2010/main" val="4195978733"/>
       </p:ext>
     </p:extLst>
   </p:cSld>
@@ -4812,6 +6162,14 @@
 <file path=ppt/slides/slide6.xml><?xml version="1.0" encoding="utf-8"?>
 <p:sld xmlns:a="http://schemas.openxmlformats.org/drawingml/2006/main" xmlns:r="http://schemas.openxmlformats.org/officeDocument/2006/relationships" xmlns:p="http://schemas.openxmlformats.org/presentationml/2006/main">
   <p:cSld>
+    <p:bg>
+      <p:bgPr>
+        <a:solidFill>
+          <a:srgbClr val="C6C8D1"/>
+        </a:solidFill>
+        <a:effectLst/>
+      </p:bgPr>
+    </p:bg>
     <p:spTree>
       <p:nvGrpSpPr>
         <p:cNvPr id="1" name=""/>
@@ -4844,7 +6202,7 @@
         </p:nvSpPr>
         <p:spPr>
           <a:xfrm>
-            <a:off x="609600" y="571500"/>
+            <a:off x="609600" y="0"/>
             <a:ext cx="10972800" cy="1143000"/>
           </a:xfrm>
         </p:spPr>
@@ -4854,11 +6212,13 @@
           <a:p>
             <a:pPr algn="ctr"/>
             <a:r>
-              <a:rPr lang="en-US" b="1" i="0" dirty="0">
-                <a:effectLst/>
-                <a:latin typeface="+mn-lt"/>
-              </a:rPr>
-              <a:t>Is complete Cloud Challenge enough to pass an exams?</a:t>
+              <a:rPr lang="en-US" dirty="0">
+                <a:solidFill>
+                  <a:schemeClr val="tx1"/>
+                </a:solidFill>
+                <a:latin typeface="+mj-lt"/>
+              </a:rPr>
+              <a:t>Syntax analysis</a:t>
             </a:r>
           </a:p>
         </p:txBody>
@@ -4898,7 +6258,7 @@
           <p:cNvPr id="3" name="TextBox 2">
             <a:extLst>
               <a:ext uri="{FF2B5EF4-FFF2-40B4-BE49-F238E27FC236}">
-                <a16:creationId xmlns:a16="http://schemas.microsoft.com/office/drawing/2014/main" id="{43174A5E-A636-4CBB-95DA-3AEE7193A1FB}"/>
+                <a16:creationId xmlns:a16="http://schemas.microsoft.com/office/drawing/2014/main" id="{83193C92-255A-40A6-BAE5-B35B31781A59}"/>
               </a:ext>
             </a:extLst>
           </p:cNvPr>
@@ -4907,8 +6267,8 @@
         </p:nvSpPr>
         <p:spPr>
           <a:xfrm>
-            <a:off x="1025026" y="2158068"/>
-            <a:ext cx="10557374" cy="2985433"/>
+            <a:off x="546389" y="2598003"/>
+            <a:ext cx="11099222" cy="1661993"/>
           </a:xfrm>
           <a:prstGeom prst="rect">
             <a:avLst/>
@@ -4921,73 +6281,140 @@
           </a:bodyPr>
           <a:lstStyle/>
           <a:p>
-            <a:r>
-              <a:rPr lang="en-US" sz="1800" dirty="0">
+            <a:pPr algn="ctr"/>
+            <a:r>
+              <a:rPr lang="en-US" sz="2400" dirty="0">
                 <a:latin typeface="+mn-lt"/>
               </a:rPr>
-              <a:t>“…</a:t>
-            </a:r>
-            <a:r>
-              <a:rPr lang="en-US" sz="2400" b="1" i="0" dirty="0">
-                <a:effectLst/>
+              <a:t>U</a:t>
+            </a:r>
+            <a:r>
+              <a:rPr lang="en-US" sz="2400" b="0" i="0" u="none" strike="noStrike" baseline="0" dirty="0">
                 <a:latin typeface="+mn-lt"/>
               </a:rPr>
-              <a:t> Cloud Challenges by design</a:t>
-            </a:r>
-            <a:r>
-              <a:rPr lang="en-US" sz="2400" b="0" i="0" dirty="0">
-                <a:effectLst/>
+              <a:t>ses the tokens produced by the lexical analyzer to create</a:t>
+            </a:r>
+          </a:p>
+          <a:p>
+            <a:pPr algn="ctr"/>
+            <a:r>
+              <a:rPr lang="en-US" sz="2400" b="0" i="0" u="none" strike="noStrike" baseline="0" dirty="0">
                 <a:latin typeface="+mn-lt"/>
               </a:rPr>
-              <a:t>/definition - </a:t>
-            </a:r>
-            <a:r>
-              <a:rPr lang="en-US" sz="2400" b="1" i="0" dirty="0">
-                <a:effectLst/>
+              <a:t>a </a:t>
+            </a:r>
+            <a:r>
+              <a:rPr lang="en-US" sz="2400" b="0" i="1" u="none" strike="noStrike" baseline="0" dirty="0">
                 <a:latin typeface="+mn-lt"/>
               </a:rPr>
-              <a:t>don't cover all topics/services/features required by exam</a:t>
-            </a:r>
-            <a:r>
-              <a:rPr lang="en-US" sz="2400" b="0" i="0" dirty="0">
-                <a:effectLst/>
+              <a:t>tree-like</a:t>
+            </a:r>
+            <a:r>
+              <a:rPr lang="en-US" sz="2400" b="0" i="0" u="none" strike="noStrike" baseline="0" dirty="0">
                 <a:latin typeface="+mn-lt"/>
               </a:rPr>
-              <a:t> and could skip some important sections, because either Microsoft simply didn't have capacity to create such module or don't know how to build such skill. We can blame Microsoft or EPAM or anybody else - but it's reality around us…</a:t>
-            </a:r>
-            <a:r>
-              <a:rPr lang="en-US" sz="1800" b="0" i="0" dirty="0">
-                <a:effectLst/>
-                <a:latin typeface="+mn-lt"/>
-              </a:rPr>
-              <a:t>”</a:t>
-            </a:r>
-          </a:p>
-          <a:p>
-            <a:pPr algn="r"/>
-            <a:r>
-              <a:rPr lang="en-US" sz="1800" dirty="0">
-                <a:latin typeface="+mn-lt"/>
-              </a:rPr>
-              <a:t>Igor </a:t>
-            </a:r>
-            <a:r>
-              <a:rPr lang="en-US" sz="1800" dirty="0" err="1">
-                <a:latin typeface="+mn-lt"/>
-              </a:rPr>
-              <a:t>Sychev</a:t>
-            </a:r>
-            <a:endParaRPr lang="en-US" sz="2400" b="0" i="0" dirty="0">
-              <a:effectLst/>
+              <a:t> intermediate representation</a:t>
+            </a:r>
+            <a:endParaRPr lang="en-US" sz="2400" b="1" dirty="0">
               <a:latin typeface="+mn-lt"/>
             </a:endParaRPr>
           </a:p>
+          <a:p>
+            <a:pPr algn="ctr"/>
+            <a:endParaRPr lang="en-US" sz="1800" b="1" i="0" u="none" strike="noStrike" baseline="0" dirty="0">
+              <a:latin typeface="+mn-lt"/>
+            </a:endParaRPr>
+          </a:p>
+          <a:p>
+            <a:pPr algn="ctr"/>
+            <a:endParaRPr lang="en-US" sz="1800" b="1" i="0" u="none" strike="noStrike" baseline="0" dirty="0">
+              <a:latin typeface="+mn-lt"/>
+            </a:endParaRPr>
+          </a:p>
+          <a:p>
+            <a:pPr algn="ctr"/>
+            <a:endParaRPr lang="en-US" sz="1800" b="1" dirty="0">
+              <a:latin typeface="+mn-lt"/>
+            </a:endParaRPr>
+          </a:p>
         </p:txBody>
       </p:sp>
+      <p:cxnSp>
+        <p:nvCxnSpPr>
+          <p:cNvPr id="6" name="Straight Arrow Connector 5">
+            <a:extLst>
+              <a:ext uri="{FF2B5EF4-FFF2-40B4-BE49-F238E27FC236}">
+                <a16:creationId xmlns:a16="http://schemas.microsoft.com/office/drawing/2014/main" id="{B8586B03-D105-4CAB-986E-236939D9FB37}"/>
+              </a:ext>
+            </a:extLst>
+          </p:cNvPr>
+          <p:cNvCxnSpPr/>
+          <p:nvPr/>
+        </p:nvCxnSpPr>
+        <p:spPr>
+          <a:xfrm>
+            <a:off x="6096000" y="3567499"/>
+            <a:ext cx="0" cy="405245"/>
+          </a:xfrm>
+          <a:prstGeom prst="straightConnector1">
+            <a:avLst/>
+          </a:prstGeom>
+          <a:ln w="25400">
+            <a:solidFill>
+              <a:schemeClr val="tx1"/>
+            </a:solidFill>
+            <a:tailEnd type="triangle"/>
+          </a:ln>
+        </p:spPr>
+        <p:style>
+          <a:lnRef idx="1">
+            <a:schemeClr val="accent1"/>
+          </a:lnRef>
+          <a:fillRef idx="0">
+            <a:schemeClr val="accent1"/>
+          </a:fillRef>
+          <a:effectRef idx="0">
+            <a:schemeClr val="accent1"/>
+          </a:effectRef>
+          <a:fontRef idx="minor">
+            <a:schemeClr val="tx1"/>
+          </a:fontRef>
+        </p:style>
+      </p:cxnSp>
+      <p:pic>
+        <p:nvPicPr>
+          <p:cNvPr id="9" name="Picture 8">
+            <a:extLst>
+              <a:ext uri="{FF2B5EF4-FFF2-40B4-BE49-F238E27FC236}">
+                <a16:creationId xmlns:a16="http://schemas.microsoft.com/office/drawing/2014/main" id="{9FD91B5E-83A4-4EBC-A2BA-0E5FF17B9513}"/>
+              </a:ext>
+            </a:extLst>
+          </p:cNvPr>
+          <p:cNvPicPr>
+            <a:picLocks noChangeAspect="1"/>
+          </p:cNvPicPr>
+          <p:nvPr/>
+        </p:nvPicPr>
+        <p:blipFill>
+          <a:blip r:embed="rId3"/>
+          <a:stretch>
+            <a:fillRect/>
+          </a:stretch>
+        </p:blipFill>
+        <p:spPr>
+          <a:xfrm>
+            <a:off x="5062537" y="4284059"/>
+            <a:ext cx="2066925" cy="981075"/>
+          </a:xfrm>
+          <a:prstGeom prst="rect">
+            <a:avLst/>
+          </a:prstGeom>
+        </p:spPr>
+      </p:pic>
     </p:spTree>
     <p:extLst>
       <p:ext uri="{BB962C8B-B14F-4D97-AF65-F5344CB8AC3E}">
-        <p14:creationId xmlns:p14="http://schemas.microsoft.com/office/powerpoint/2010/main" val="801730756"/>
+        <p14:creationId xmlns:p14="http://schemas.microsoft.com/office/powerpoint/2010/main" val="41811126"/>
       </p:ext>
     </p:extLst>
   </p:cSld>
@@ -5000,6 +6427,14 @@
 <file path=ppt/slides/slide7.xml><?xml version="1.0" encoding="utf-8"?>
 <p:sld xmlns:a="http://schemas.openxmlformats.org/drawingml/2006/main" xmlns:r="http://schemas.openxmlformats.org/officeDocument/2006/relationships" xmlns:p="http://schemas.openxmlformats.org/presentationml/2006/main">
   <p:cSld>
+    <p:bg>
+      <p:bgPr>
+        <a:solidFill>
+          <a:srgbClr val="C6C8D1"/>
+        </a:solidFill>
+        <a:effectLst/>
+      </p:bgPr>
+    </p:bg>
     <p:spTree>
       <p:nvGrpSpPr>
         <p:cNvPr id="1" name=""/>
@@ -5032,7 +6467,7 @@
         </p:nvSpPr>
         <p:spPr>
           <a:xfrm>
-            <a:off x="609600" y="571500"/>
+            <a:off x="609600" y="0"/>
             <a:ext cx="10972800" cy="1143000"/>
           </a:xfrm>
         </p:spPr>
@@ -5042,11 +6477,13 @@
           <a:p>
             <a:pPr algn="ctr"/>
             <a:r>
-              <a:rPr lang="en-US" b="1" i="0" dirty="0">
-                <a:effectLst/>
-                <a:latin typeface="+mn-lt"/>
-              </a:rPr>
-              <a:t>Staffing</a:t>
+              <a:rPr lang="en-US" dirty="0">
+                <a:solidFill>
+                  <a:schemeClr val="tx1"/>
+                </a:solidFill>
+                <a:latin typeface="+mj-lt"/>
+              </a:rPr>
+              <a:t>DSL</a:t>
             </a:r>
           </a:p>
         </p:txBody>
@@ -5086,7 +6523,7 @@
           <p:cNvPr id="3" name="TextBox 2">
             <a:extLst>
               <a:ext uri="{FF2B5EF4-FFF2-40B4-BE49-F238E27FC236}">
-                <a16:creationId xmlns:a16="http://schemas.microsoft.com/office/drawing/2014/main" id="{43174A5E-A636-4CBB-95DA-3AEE7193A1FB}"/>
+                <a16:creationId xmlns:a16="http://schemas.microsoft.com/office/drawing/2014/main" id="{83193C92-255A-40A6-BAE5-B35B31781A59}"/>
               </a:ext>
             </a:extLst>
           </p:cNvPr>
@@ -5095,8 +6532,8 @@
         </p:nvSpPr>
         <p:spPr>
           <a:xfrm>
-            <a:off x="1025026" y="1997839"/>
-            <a:ext cx="10557374" cy="3724096"/>
+            <a:off x="546389" y="2228671"/>
+            <a:ext cx="11099222" cy="3416320"/>
           </a:xfrm>
           <a:prstGeom prst="rect">
             <a:avLst/>
@@ -5109,52 +6546,92 @@
           </a:bodyPr>
           <a:lstStyle/>
           <a:p>
-            <a:r>
-              <a:rPr lang="en-US" sz="1800" dirty="0">
+            <a:pPr algn="l"/>
+            <a:r>
+              <a:rPr lang="en-US" sz="2400" b="0" i="1" u="none" strike="noStrike" baseline="0" dirty="0">
                 <a:latin typeface="+mn-lt"/>
               </a:rPr>
-              <a:t>“…</a:t>
-            </a:r>
-            <a:r>
-              <a:rPr lang="en-US" sz="2400" i="0" dirty="0">
-                <a:effectLst/>
+              <a:t>Domain-specific languages </a:t>
+            </a:r>
+            <a:r>
+              <a:rPr lang="en-US" sz="2400" b="0" i="0" u="none" strike="noStrike" baseline="0" dirty="0">
                 <a:latin typeface="+mn-lt"/>
               </a:rPr>
-              <a:t>Usually DMs/PMs interesting in people for positions where language is a primary filter and azure skills is important but it's second filter, not visa versa - azure primary and any programming language. So, it's why Azure - is good differentiator when you already passed first technology filter and now project should choose from limited number of candidates. If in this list of candidate, you have certificate and other candidates not- usually decision is almost done.</a:t>
-            </a:r>
-            <a:r>
-              <a:rPr lang="en-US" sz="1800" i="0" dirty="0">
-                <a:effectLst/>
-                <a:latin typeface="+mn-lt"/>
-              </a:rPr>
-              <a:t>”</a:t>
-            </a:r>
-          </a:p>
-          <a:p>
-            <a:pPr algn="r"/>
-            <a:r>
-              <a:rPr lang="en-US" sz="1800" dirty="0">
-                <a:latin typeface="+mn-lt"/>
-              </a:rPr>
-              <a:t>Igor </a:t>
-            </a:r>
-            <a:r>
-              <a:rPr lang="en-US" sz="1800" dirty="0" err="1">
-                <a:latin typeface="+mn-lt"/>
-              </a:rPr>
-              <a:t>Sychev</a:t>
-            </a:r>
-            <a:endParaRPr lang="en-US" sz="2400" b="0" i="0" dirty="0">
-              <a:effectLst/>
+              <a:t>are generally very high-level languages designed to make their users particularly effective in a specific domain</a:t>
+            </a:r>
+          </a:p>
+          <a:p>
+            <a:pPr algn="l"/>
+            <a:endParaRPr lang="en-US" sz="2400" dirty="0">
               <a:latin typeface="+mn-lt"/>
             </a:endParaRPr>
+          </a:p>
+          <a:p>
+            <a:pPr marL="342900" indent="-342900" algn="l">
+              <a:buFont typeface="Arial" panose="020B0604020202020204" pitchFamily="34" charset="0"/>
+              <a:buChar char="•"/>
+            </a:pPr>
+            <a:r>
+              <a:rPr lang="en-US" sz="2400" dirty="0">
+                <a:latin typeface="+mn-lt"/>
+              </a:rPr>
+              <a:t>Data formats</a:t>
+            </a:r>
+          </a:p>
+          <a:p>
+            <a:pPr marL="342900" indent="-342900" algn="l">
+              <a:buFont typeface="Arial" panose="020B0604020202020204" pitchFamily="34" charset="0"/>
+              <a:buChar char="•"/>
+            </a:pPr>
+            <a:r>
+              <a:rPr lang="en-US" sz="2400" dirty="0">
+                <a:latin typeface="+mn-lt"/>
+              </a:rPr>
+              <a:t>Network protocols</a:t>
+            </a:r>
+          </a:p>
+          <a:p>
+            <a:pPr marL="342900" indent="-342900" algn="l">
+              <a:buFont typeface="Arial" panose="020B0604020202020204" pitchFamily="34" charset="0"/>
+              <a:buChar char="•"/>
+            </a:pPr>
+            <a:r>
+              <a:rPr lang="en-US" sz="2400" dirty="0">
+                <a:latin typeface="+mn-lt"/>
+              </a:rPr>
+              <a:t>Protein patterns</a:t>
+            </a:r>
+          </a:p>
+          <a:p>
+            <a:pPr marL="342900" indent="-342900" algn="l">
+              <a:buFont typeface="Arial" panose="020B0604020202020204" pitchFamily="34" charset="0"/>
+              <a:buChar char="•"/>
+            </a:pPr>
+            <a:r>
+              <a:rPr lang="en-US" sz="2400" dirty="0">
+                <a:latin typeface="+mn-lt"/>
+              </a:rPr>
+              <a:t>Gene sequences</a:t>
+            </a:r>
+          </a:p>
+          <a:p>
+            <a:pPr marL="342900" indent="-342900" algn="l">
+              <a:buFont typeface="Arial" panose="020B0604020202020204" pitchFamily="34" charset="0"/>
+              <a:buChar char="•"/>
+            </a:pPr>
+            <a:r>
+              <a:rPr lang="en-US" sz="2400" dirty="0">
+                <a:latin typeface="+mn-lt"/>
+              </a:rPr>
+              <a:t>Domain-specific programming languages</a:t>
+            </a:r>
           </a:p>
         </p:txBody>
       </p:sp>
     </p:spTree>
     <p:extLst>
       <p:ext uri="{BB962C8B-B14F-4D97-AF65-F5344CB8AC3E}">
-        <p14:creationId xmlns:p14="http://schemas.microsoft.com/office/powerpoint/2010/main" val="27900058"/>
+        <p14:creationId xmlns:p14="http://schemas.microsoft.com/office/powerpoint/2010/main" val="3242226867"/>
       </p:ext>
     </p:extLst>
   </p:cSld>
@@ -5167,6 +6644,14 @@
 <file path=ppt/slides/slide8.xml><?xml version="1.0" encoding="utf-8"?>
 <p:sld xmlns:a="http://schemas.openxmlformats.org/drawingml/2006/main" xmlns:r="http://schemas.openxmlformats.org/officeDocument/2006/relationships" xmlns:p="http://schemas.openxmlformats.org/presentationml/2006/main">
   <p:cSld>
+    <p:bg>
+      <p:bgPr>
+        <a:solidFill>
+          <a:srgbClr val="C6C8D1"/>
+        </a:solidFill>
+        <a:effectLst/>
+      </p:bgPr>
+    </p:bg>
     <p:spTree>
       <p:nvGrpSpPr>
         <p:cNvPr id="1" name=""/>
@@ -5199,7 +6684,7 @@
         </p:nvSpPr>
         <p:spPr>
           <a:xfrm>
-            <a:off x="609600" y="2857500"/>
+            <a:off x="609600" y="0"/>
             <a:ext cx="10972800" cy="1143000"/>
           </a:xfrm>
         </p:spPr>
@@ -5215,7 +6700,7 @@
                 </a:solidFill>
                 <a:latin typeface="+mj-lt"/>
               </a:rPr>
-              <a:t>DEMO Microsoft Learn</a:t>
+              <a:t>Chess notations</a:t>
             </a:r>
           </a:p>
         </p:txBody>
@@ -5250,10 +6735,273 @@
           </a:prstGeom>
         </p:spPr>
       </p:pic>
+      <p:sp>
+        <p:nvSpPr>
+          <p:cNvPr id="3" name="TextBox 2">
+            <a:extLst>
+              <a:ext uri="{FF2B5EF4-FFF2-40B4-BE49-F238E27FC236}">
+                <a16:creationId xmlns:a16="http://schemas.microsoft.com/office/drawing/2014/main" id="{83193C92-255A-40A6-BAE5-B35B31781A59}"/>
+              </a:ext>
+            </a:extLst>
+          </p:cNvPr>
+          <p:cNvSpPr txBox="1"/>
+          <p:nvPr/>
+        </p:nvSpPr>
+        <p:spPr>
+          <a:xfrm>
+            <a:off x="546389" y="1143000"/>
+            <a:ext cx="11099222" cy="4785926"/>
+          </a:xfrm>
+          <a:prstGeom prst="rect">
+            <a:avLst/>
+          </a:prstGeom>
+          <a:noFill/>
+        </p:spPr>
+        <p:txBody>
+          <a:bodyPr wrap="square" rtlCol="0">
+            <a:spAutoFit/>
+          </a:bodyPr>
+          <a:lstStyle/>
+          <a:p>
+            <a:pPr algn="l"/>
+            <a:r>
+              <a:rPr lang="en-US" sz="2400" dirty="0">
+                <a:latin typeface="+mn-lt"/>
+              </a:rPr>
+              <a:t>Portable Game Notation (PNG)</a:t>
+            </a:r>
+          </a:p>
+          <a:p>
+            <a:pPr algn="l"/>
+            <a:endParaRPr lang="en-US" sz="1100" dirty="0">
+              <a:latin typeface="+mn-lt"/>
+            </a:endParaRPr>
+          </a:p>
+          <a:p>
+            <a:pPr algn="l"/>
+            <a:r>
+              <a:rPr lang="en-US" sz="1100" dirty="0">
+                <a:latin typeface="+mn-lt"/>
+              </a:rPr>
+              <a:t>[Event "F/S Return Match"]</a:t>
+            </a:r>
+          </a:p>
+          <a:p>
+            <a:pPr algn="l"/>
+            <a:r>
+              <a:rPr lang="en-US" sz="1100" dirty="0">
+                <a:latin typeface="+mn-lt"/>
+              </a:rPr>
+              <a:t>[Site "Belgrade, Serbia JUG"]</a:t>
+            </a:r>
+          </a:p>
+          <a:p>
+            <a:pPr algn="l"/>
+            <a:r>
+              <a:rPr lang="en-US" sz="1100" dirty="0">
+                <a:latin typeface="+mn-lt"/>
+              </a:rPr>
+              <a:t>[Date "1992.11.04"]</a:t>
+            </a:r>
+          </a:p>
+          <a:p>
+            <a:pPr algn="l"/>
+            <a:r>
+              <a:rPr lang="en-US" sz="1100" dirty="0">
+                <a:latin typeface="+mn-lt"/>
+              </a:rPr>
+              <a:t>[Round "29"]</a:t>
+            </a:r>
+          </a:p>
+          <a:p>
+            <a:pPr algn="l"/>
+            <a:r>
+              <a:rPr lang="en-US" sz="1100" dirty="0">
+                <a:latin typeface="+mn-lt"/>
+              </a:rPr>
+              <a:t>[White "Fischer, Robert J."]</a:t>
+            </a:r>
+          </a:p>
+          <a:p>
+            <a:pPr algn="l"/>
+            <a:r>
+              <a:rPr lang="en-US" sz="1100" dirty="0">
+                <a:latin typeface="+mn-lt"/>
+              </a:rPr>
+              <a:t>[Black "Spassky, Boris V."]</a:t>
+            </a:r>
+          </a:p>
+          <a:p>
+            <a:pPr algn="l"/>
+            <a:r>
+              <a:rPr lang="en-US" sz="1100" dirty="0">
+                <a:latin typeface="+mn-lt"/>
+              </a:rPr>
+              <a:t>[Result "1/2-1/2"]</a:t>
+            </a:r>
+          </a:p>
+          <a:p>
+            <a:pPr algn="l"/>
+            <a:endParaRPr lang="en-US" sz="1100" dirty="0">
+              <a:latin typeface="+mn-lt"/>
+            </a:endParaRPr>
+          </a:p>
+          <a:p>
+            <a:pPr algn="l"/>
+            <a:r>
+              <a:rPr lang="en-US" sz="1100" dirty="0">
+                <a:latin typeface="+mn-lt"/>
+              </a:rPr>
+              <a:t>1. e4 e5 2. Nf3 Nc6 3. Bb5 a6 {This opening is called the </a:t>
+            </a:r>
+            <a:r>
+              <a:rPr lang="en-US" sz="1100" dirty="0" err="1">
+                <a:latin typeface="+mn-lt"/>
+              </a:rPr>
+              <a:t>Ruy</a:t>
+            </a:r>
+            <a:r>
+              <a:rPr lang="en-US" sz="1100" dirty="0">
+                <a:latin typeface="+mn-lt"/>
+              </a:rPr>
+              <a:t> Lopez.}</a:t>
+            </a:r>
+          </a:p>
+          <a:p>
+            <a:pPr algn="l"/>
+            <a:r>
+              <a:rPr lang="en-US" sz="1100" dirty="0">
+                <a:latin typeface="+mn-lt"/>
+              </a:rPr>
+              <a:t>4. Ba4 Nf6 5. O-O Be7 6. Re1 b5 7. Bb3 d6 8. c3 O-O 9. h3 Nb8 10. d4 Nbd7</a:t>
+            </a:r>
+          </a:p>
+          <a:p>
+            <a:pPr algn="l"/>
+            <a:r>
+              <a:rPr lang="en-US" sz="1100" dirty="0">
+                <a:latin typeface="+mn-lt"/>
+              </a:rPr>
+              <a:t>11. c4 c6 12. cxb5 axb5 13. Nc3 Bb7 14. Bg5 b4 15. Nb1 h6 16. Bh4 c5 17. dxe5</a:t>
+            </a:r>
+          </a:p>
+          <a:p>
+            <a:pPr algn="l"/>
+            <a:r>
+              <a:rPr lang="en-US" sz="1100" dirty="0">
+                <a:latin typeface="+mn-lt"/>
+              </a:rPr>
+              <a:t>Nxe4 18. Bxe7 Qxe7 19. exd6 Qf6 20. Nbd2 Nxd6 21. Nc4 Nxc4 22. Bxc4 Nb6</a:t>
+            </a:r>
+          </a:p>
+          <a:p>
+            <a:pPr algn="l"/>
+            <a:r>
+              <a:rPr lang="en-US" sz="1100" dirty="0">
+                <a:latin typeface="+mn-lt"/>
+              </a:rPr>
+              <a:t>23. Ne5 Rae8 24. Bxf7+ Rxf7 25. Nxf7 Rxe1+ 26. Qxe1 Kxf7 27. Qe3 Qg5 28. Qxg5</a:t>
+            </a:r>
+          </a:p>
+          <a:p>
+            <a:pPr algn="l"/>
+            <a:r>
+              <a:rPr lang="en-US" sz="1100" dirty="0">
+                <a:latin typeface="+mn-lt"/>
+              </a:rPr>
+              <a:t>hxg5 29. b3 Ke6 30. a3 Kd6 31. axb4 cxb4 32. Ra5 Nd5 33. f3 Bc8 34. Kf2 Bf5</a:t>
+            </a:r>
+          </a:p>
+          <a:p>
+            <a:pPr algn="l"/>
+            <a:r>
+              <a:rPr lang="en-US" sz="1100" dirty="0">
+                <a:latin typeface="+mn-lt"/>
+              </a:rPr>
+              <a:t>35. Ra7 g6 36. Ra6+ Kc5 37. Ke1 Nf4 38. g3 Nxh3 39. Kd2 Kb5 40. Rd6 Kc5 41. Ra6</a:t>
+            </a:r>
+          </a:p>
+          <a:p>
+            <a:pPr algn="l"/>
+            <a:r>
+              <a:rPr lang="en-US" sz="1100" dirty="0">
+                <a:latin typeface="+mn-lt"/>
+              </a:rPr>
+              <a:t>Nf2 42. g4 Bd3 43. Re6 1/2-1/2</a:t>
+            </a:r>
+          </a:p>
+          <a:p>
+            <a:pPr algn="l"/>
+            <a:endParaRPr lang="en-US" sz="1100" dirty="0">
+              <a:latin typeface="+mn-lt"/>
+            </a:endParaRPr>
+          </a:p>
+          <a:p>
+            <a:pPr algn="l"/>
+            <a:endParaRPr lang="en-US" sz="2400" dirty="0">
+              <a:latin typeface="+mn-lt"/>
+            </a:endParaRPr>
+          </a:p>
+          <a:p>
+            <a:pPr algn="l"/>
+            <a:r>
+              <a:rPr lang="en-US" sz="2400" dirty="0">
+                <a:latin typeface="+mn-lt"/>
+              </a:rPr>
+              <a:t>Forsyth–Edwards Notation (FEN)</a:t>
+            </a:r>
+          </a:p>
+          <a:p>
+            <a:pPr algn="l"/>
+            <a:endParaRPr lang="en-US" sz="2400" dirty="0">
+              <a:latin typeface="+mn-lt"/>
+            </a:endParaRPr>
+          </a:p>
+          <a:p>
+            <a:pPr algn="l"/>
+            <a:r>
+              <a:rPr lang="en-US" sz="1100" dirty="0" err="1">
+                <a:latin typeface="+mn-lt"/>
+              </a:rPr>
+              <a:t>rnbqkbnr</a:t>
+            </a:r>
+            <a:r>
+              <a:rPr lang="en-US" sz="1100" dirty="0">
+                <a:latin typeface="+mn-lt"/>
+              </a:rPr>
+              <a:t>/</a:t>
+            </a:r>
+            <a:r>
+              <a:rPr lang="en-US" sz="1100" dirty="0" err="1">
+                <a:latin typeface="+mn-lt"/>
+              </a:rPr>
+              <a:t>pppppppp</a:t>
+            </a:r>
+            <a:r>
+              <a:rPr lang="en-US" sz="1100" dirty="0">
+                <a:latin typeface="+mn-lt"/>
+              </a:rPr>
+              <a:t>/8/8/8/8/PPPPPPPP/RNBQKBNR w </a:t>
+            </a:r>
+            <a:r>
+              <a:rPr lang="en-US" sz="1100" dirty="0" err="1">
+                <a:latin typeface="+mn-lt"/>
+              </a:rPr>
+              <a:t>KQkq</a:t>
+            </a:r>
+            <a:r>
+              <a:rPr lang="en-US" sz="1100" dirty="0">
+                <a:latin typeface="+mn-lt"/>
+              </a:rPr>
+              <a:t> - 0 1</a:t>
+            </a:r>
+          </a:p>
+        </p:txBody>
+      </p:sp>
     </p:spTree>
     <p:extLst>
       <p:ext uri="{BB962C8B-B14F-4D97-AF65-F5344CB8AC3E}">
-        <p14:creationId xmlns:p14="http://schemas.microsoft.com/office/powerpoint/2010/main" val="3472077680"/>
+        <p14:creationId xmlns:p14="http://schemas.microsoft.com/office/powerpoint/2010/main" val="4284391805"/>
       </p:ext>
     </p:extLst>
   </p:cSld>
@@ -5280,45 +7028,6 @@
           <a:chExt cx="0" cy="0"/>
         </a:xfrm>
       </p:grpSpPr>
-      <p:sp>
-        <p:nvSpPr>
-          <p:cNvPr id="2" name="Title 1">
-            <a:extLst>
-              <a:ext uri="{FF2B5EF4-FFF2-40B4-BE49-F238E27FC236}">
-                <a16:creationId xmlns:a16="http://schemas.microsoft.com/office/drawing/2014/main" id="{D398BFED-2F7F-49BD-B480-56FC297B15A8}"/>
-              </a:ext>
-            </a:extLst>
-          </p:cNvPr>
-          <p:cNvSpPr>
-            <a:spLocks noGrp="1"/>
-          </p:cNvSpPr>
-          <p:nvPr>
-            <p:ph type="title"/>
-          </p:nvPr>
-        </p:nvSpPr>
-        <p:spPr>
-          <a:xfrm>
-            <a:off x="609600" y="2857500"/>
-            <a:ext cx="10972800" cy="1143000"/>
-          </a:xfrm>
-        </p:spPr>
-        <p:txBody>
-          <a:bodyPr anchor="ctr"/>
-          <a:lstStyle/>
-          <a:p>
-            <a:pPr algn="ctr"/>
-            <a:r>
-              <a:rPr lang="en-US" dirty="0">
-                <a:solidFill>
-                  <a:schemeClr val="tx1"/>
-                </a:solidFill>
-                <a:latin typeface="+mj-lt"/>
-              </a:rPr>
-              <a:t>DEMO Exam artifacts</a:t>
-            </a:r>
-          </a:p>
-        </p:txBody>
-      </p:sp>
       <p:pic>
         <p:nvPicPr>
           <p:cNvPr id="4" name="Picture 3">
@@ -5349,6 +7058,107 @@
           </a:prstGeom>
         </p:spPr>
       </p:pic>
+      <p:pic>
+        <p:nvPicPr>
+          <p:cNvPr id="9" name="Picture 8">
+            <a:extLst>
+              <a:ext uri="{FF2B5EF4-FFF2-40B4-BE49-F238E27FC236}">
+                <a16:creationId xmlns:a16="http://schemas.microsoft.com/office/drawing/2014/main" id="{270D62B7-3A56-441C-8929-E0F631A703D5}"/>
+              </a:ext>
+            </a:extLst>
+          </p:cNvPr>
+          <p:cNvPicPr>
+            <a:picLocks noChangeAspect="1"/>
+          </p:cNvPicPr>
+          <p:nvPr/>
+        </p:nvPicPr>
+        <p:blipFill>
+          <a:blip r:embed="rId3"/>
+          <a:stretch>
+            <a:fillRect/>
+          </a:stretch>
+        </p:blipFill>
+        <p:spPr>
+          <a:xfrm>
+            <a:off x="4152491" y="860379"/>
+            <a:ext cx="3590925" cy="904875"/>
+          </a:xfrm>
+          <a:prstGeom prst="rect">
+            <a:avLst/>
+          </a:prstGeom>
+        </p:spPr>
+      </p:pic>
+      <p:sp>
+        <p:nvSpPr>
+          <p:cNvPr id="10" name="TextBox 9">
+            <a:extLst>
+              <a:ext uri="{FF2B5EF4-FFF2-40B4-BE49-F238E27FC236}">
+                <a16:creationId xmlns:a16="http://schemas.microsoft.com/office/drawing/2014/main" id="{32B43A4C-1063-40D1-804D-3C4F830E3FED}"/>
+              </a:ext>
+            </a:extLst>
+          </p:cNvPr>
+          <p:cNvSpPr txBox="1"/>
+          <p:nvPr/>
+        </p:nvSpPr>
+        <p:spPr>
+          <a:xfrm>
+            <a:off x="1227909" y="2782669"/>
+            <a:ext cx="10145485" cy="1754326"/>
+          </a:xfrm>
+          <a:prstGeom prst="rect">
+            <a:avLst/>
+          </a:prstGeom>
+          <a:noFill/>
+        </p:spPr>
+        <p:txBody>
+          <a:bodyPr wrap="square" rtlCol="0">
+            <a:spAutoFit/>
+          </a:bodyPr>
+          <a:lstStyle/>
+          <a:p>
+            <a:pPr marL="342900" indent="-342900">
+              <a:buFont typeface="+mj-lt"/>
+              <a:buAutoNum type="arabicPeriod"/>
+            </a:pPr>
+            <a:r>
+              <a:rPr lang="en-US" sz="1800" dirty="0">
+                <a:latin typeface="+mn-lt"/>
+              </a:rPr>
+              <a:t>Grammar translator</a:t>
+            </a:r>
+          </a:p>
+          <a:p>
+            <a:pPr marL="342900" indent="-342900">
+              <a:buFont typeface="+mj-lt"/>
+              <a:buAutoNum type="arabicPeriod"/>
+            </a:pPr>
+            <a:r>
+              <a:rPr lang="en-US" sz="1800" dirty="0">
+                <a:latin typeface="+mn-lt"/>
+              </a:rPr>
+              <a:t>Runtime library</a:t>
+            </a:r>
+          </a:p>
+          <a:p>
+            <a:endParaRPr lang="en-US" sz="1800" dirty="0">
+              <a:latin typeface="+mn-lt"/>
+            </a:endParaRPr>
+          </a:p>
+          <a:p>
+            <a:endParaRPr lang="en-US" sz="1800" dirty="0">
+              <a:latin typeface="+mn-lt"/>
+            </a:endParaRPr>
+          </a:p>
+          <a:p>
+            <a:r>
+              <a:rPr lang="en-US" sz="1800" dirty="0">
+                <a:latin typeface="+mn-lt"/>
+              </a:rPr>
+              <a:t>Designed and developed by Terrence Parr - professor of computer science and data science at the University of San Francisco</a:t>
+            </a:r>
+          </a:p>
+        </p:txBody>
+      </p:sp>
     </p:spTree>
     <p:extLst>
       <p:ext uri="{BB962C8B-B14F-4D97-AF65-F5344CB8AC3E}">
